--- a/slides/instruction/introduction.pptx
+++ b/slides/instruction/introduction.pptx
@@ -5,10 +5,10 @@
     <p:sldMasterId id="2147483680" r:id="rId4"/>
   </p:sldMasterIdLst>
   <p:notesMasterIdLst>
-    <p:notesMasterId r:id="rId18"/>
+    <p:notesMasterId r:id="rId16"/>
   </p:notesMasterIdLst>
   <p:handoutMasterIdLst>
-    <p:handoutMasterId r:id="rId19"/>
+    <p:handoutMasterId r:id="rId17"/>
   </p:handoutMasterIdLst>
   <p:sldIdLst>
     <p:sldId id="256" r:id="rId5"/>
@@ -16,14 +16,12 @@
     <p:sldId id="276" r:id="rId7"/>
     <p:sldId id="260" r:id="rId8"/>
     <p:sldId id="282" r:id="rId9"/>
-    <p:sldId id="261" r:id="rId10"/>
-    <p:sldId id="283" r:id="rId11"/>
-    <p:sldId id="274" r:id="rId12"/>
-    <p:sldId id="266" r:id="rId13"/>
-    <p:sldId id="267" r:id="rId14"/>
-    <p:sldId id="278" r:id="rId15"/>
-    <p:sldId id="275" r:id="rId16"/>
-    <p:sldId id="272" r:id="rId17"/>
+    <p:sldId id="283" r:id="rId10"/>
+    <p:sldId id="274" r:id="rId11"/>
+    <p:sldId id="266" r:id="rId12"/>
+    <p:sldId id="278" r:id="rId13"/>
+    <p:sldId id="275" r:id="rId14"/>
+    <p:sldId id="272" r:id="rId15"/>
   </p:sldIdLst>
   <p:sldSz cx="12192000" cy="6858000"/>
   <p:notesSz cx="7023100" cy="9309100"/>
@@ -3771,18 +3769,15 @@
               <a:latin typeface="微软雅黑" panose="020B0503020204020204" pitchFamily="34" charset="-122"/>
               <a:ea typeface="微软雅黑" panose="020B0503020204020204" pitchFamily="34" charset="-122"/>
             </a:rPr>
-            <a:t>OpenCV</a:t>
+            <a:t>WireShark</a:t>
           </a:r>
-          <a:r>
-            <a:rPr lang="en-US" dirty="0">
-              <a:solidFill>
-                <a:srgbClr val="002060"/>
-              </a:solidFill>
-              <a:latin typeface="微软雅黑" panose="020B0503020204020204" pitchFamily="34" charset="-122"/>
-              <a:ea typeface="微软雅黑" panose="020B0503020204020204" pitchFamily="34" charset="-122"/>
-            </a:rPr>
-            <a:t> application</a:t>
-          </a:r>
+          <a:endParaRPr lang="en-US" dirty="0">
+            <a:solidFill>
+              <a:srgbClr val="002060"/>
+            </a:solidFill>
+            <a:latin typeface="微软雅黑" panose="020B0503020204020204" pitchFamily="34" charset="-122"/>
+            <a:ea typeface="微软雅黑" panose="020B0503020204020204" pitchFamily="34" charset="-122"/>
+          </a:endParaRPr>
         </a:p>
       </dgm:t>
     </dgm:pt>
@@ -3821,16 +3816,13 @@
         <a:bodyPr/>
         <a:lstStyle/>
         <a:p>
-          <a:r>
-            <a:rPr lang="en-US" dirty="0">
-              <a:solidFill>
-                <a:srgbClr val="002060"/>
-              </a:solidFill>
-              <a:latin typeface="微软雅黑" panose="020B0503020204020204" pitchFamily="34" charset="-122"/>
-              <a:ea typeface="微软雅黑" panose="020B0503020204020204" pitchFamily="34" charset="-122"/>
-            </a:rPr>
-            <a:t>Node.js</a:t>
-          </a:r>
+          <a:endParaRPr lang="en-US" dirty="0">
+            <a:solidFill>
+              <a:srgbClr val="002060"/>
+            </a:solidFill>
+            <a:latin typeface="微软雅黑" panose="020B0503020204020204" pitchFamily="34" charset="-122"/>
+            <a:ea typeface="微软雅黑" panose="020B0503020204020204" pitchFamily="34" charset="-122"/>
+          </a:endParaRPr>
         </a:p>
       </dgm:t>
     </dgm:pt>
@@ -4075,16 +4067,6 @@
         <a:bodyPr/>
         <a:lstStyle/>
         <a:p>
-          <a:r>
-            <a:rPr lang="en-US" dirty="0" err="1">
-              <a:solidFill>
-                <a:srgbClr val="002060"/>
-              </a:solidFill>
-              <a:latin typeface="微软雅黑" panose="020B0503020204020204" pitchFamily="34" charset="-122"/>
-              <a:ea typeface="微软雅黑" panose="020B0503020204020204" pitchFamily="34" charset="-122"/>
-            </a:rPr>
-            <a:t>Qt</a:t>
-          </a:r>
           <a:endParaRPr lang="en-US" dirty="0">
             <a:solidFill>
               <a:srgbClr val="002060"/>
@@ -4552,9 +4534,21 @@
             <a:t>Labs: </a:t>
           </a:r>
           <a:r>
+            <a:rPr lang="en-US" altLang="zh-CN" dirty="0" err="1"/>
+            <a:t>WireShark</a:t>
+          </a:r>
+          <a:r>
             <a:rPr lang="en-US" altLang="zh-CN" dirty="0"/>
-            <a:t>VS 2019 + </a:t>
+            <a:t> </a:t>
           </a:r>
+        </a:p>
+        <a:p>
+          <a:r>
+            <a:rPr lang="en-US" altLang="zh-CN" dirty="0"/>
+            <a:t>+ </a:t>
+          </a:r>
+        </a:p>
+        <a:p>
           <a:r>
             <a:rPr lang="en-US" altLang="zh-CN" dirty="0" err="1"/>
             <a:t>github</a:t>
@@ -4649,13 +4643,6 @@
               <a:ea typeface="微软雅黑" panose="020B0503020204020204" pitchFamily="34" charset="-122"/>
             </a:rPr>
           </a:br>
-          <a:r>
-            <a:rPr lang="en-US" altLang="zh-CN" dirty="0">
-              <a:latin typeface="微软雅黑" panose="020B0503020204020204" pitchFamily="34" charset="-122"/>
-              <a:ea typeface="微软雅黑" panose="020B0503020204020204" pitchFamily="34" charset="-122"/>
-            </a:rPr>
-            <a:t>programming windows 2020</a:t>
-          </a:r>
           <a:endParaRPr lang="en-US" dirty="0"/>
         </a:p>
       </dgm:t>
@@ -5367,7 +5354,7 @@
         <a:fontRef idx="minor"/>
       </dsp:style>
       <dsp:txBody>
-        <a:bodyPr spcFirstLastPara="0" vert="horz" wrap="square" lIns="152400" tIns="76200" rIns="152400" bIns="76200" numCol="1" spcCol="1270" anchor="ctr" anchorCtr="0">
+        <a:bodyPr spcFirstLastPara="0" vert="horz" wrap="square" lIns="163830" tIns="81915" rIns="163830" bIns="81915" numCol="1" spcCol="1270" anchor="ctr" anchorCtr="0">
           <a:noAutofit/>
         </a:bodyPr>
         <a:lstStyle/>
@@ -5656,41 +5643,7 @@
               <a:latin typeface="微软雅黑" panose="020B0503020204020204" pitchFamily="34" charset="-122"/>
               <a:ea typeface="微软雅黑" panose="020B0503020204020204" pitchFamily="34" charset="-122"/>
             </a:rPr>
-            <a:t>OpenCV</a:t>
-          </a:r>
-          <a:r>
-            <a:rPr lang="en-US" sz="1300" kern="1200" dirty="0">
-              <a:solidFill>
-                <a:srgbClr val="002060"/>
-              </a:solidFill>
-              <a:latin typeface="微软雅黑" panose="020B0503020204020204" pitchFamily="34" charset="-122"/>
-              <a:ea typeface="微软雅黑" panose="020B0503020204020204" pitchFamily="34" charset="-122"/>
-            </a:rPr>
-            <a:t> application</a:t>
-          </a:r>
-        </a:p>
-        <a:p>
-          <a:pPr marL="114300" lvl="1" indent="-114300" algn="l" defTabSz="577850">
-            <a:lnSpc>
-              <a:spcPct val="90000"/>
-            </a:lnSpc>
-            <a:spcBef>
-              <a:spcPct val="0"/>
-            </a:spcBef>
-            <a:spcAft>
-              <a:spcPct val="15000"/>
-            </a:spcAft>
-            <a:buChar char="•"/>
-          </a:pPr>
-          <a:r>
-            <a:rPr lang="en-US" sz="1300" kern="1200" dirty="0" err="1">
-              <a:solidFill>
-                <a:srgbClr val="002060"/>
-              </a:solidFill>
-              <a:latin typeface="微软雅黑" panose="020B0503020204020204" pitchFamily="34" charset="-122"/>
-              <a:ea typeface="微软雅黑" panose="020B0503020204020204" pitchFamily="34" charset="-122"/>
-            </a:rPr>
-            <a:t>Qt</a:t>
+            <a:t>WireShark</a:t>
           </a:r>
           <a:endParaRPr lang="en-US" sz="1300" kern="1200" dirty="0">
             <a:solidFill>
@@ -5713,16 +5666,34 @@
             </a:spcAft>
             <a:buChar char="•"/>
           </a:pPr>
-          <a:r>
-            <a:rPr lang="en-US" sz="1300" kern="1200" dirty="0">
-              <a:solidFill>
-                <a:srgbClr val="002060"/>
-              </a:solidFill>
-              <a:latin typeface="微软雅黑" panose="020B0503020204020204" pitchFamily="34" charset="-122"/>
-              <a:ea typeface="微软雅黑" panose="020B0503020204020204" pitchFamily="34" charset="-122"/>
-            </a:rPr>
-            <a:t>Node.js</a:t>
-          </a:r>
+          <a:endParaRPr lang="en-US" sz="1300" kern="1200" dirty="0">
+            <a:solidFill>
+              <a:srgbClr val="002060"/>
+            </a:solidFill>
+            <a:latin typeface="微软雅黑" panose="020B0503020204020204" pitchFamily="34" charset="-122"/>
+            <a:ea typeface="微软雅黑" panose="020B0503020204020204" pitchFamily="34" charset="-122"/>
+          </a:endParaRPr>
+        </a:p>
+        <a:p>
+          <a:pPr marL="114300" lvl="1" indent="-114300" algn="l" defTabSz="577850">
+            <a:lnSpc>
+              <a:spcPct val="90000"/>
+            </a:lnSpc>
+            <a:spcBef>
+              <a:spcPct val="0"/>
+            </a:spcBef>
+            <a:spcAft>
+              <a:spcPct val="15000"/>
+            </a:spcAft>
+            <a:buChar char="•"/>
+          </a:pPr>
+          <a:endParaRPr lang="en-US" sz="1300" kern="1200" dirty="0">
+            <a:solidFill>
+              <a:srgbClr val="002060"/>
+            </a:solidFill>
+            <a:latin typeface="微软雅黑" panose="020B0503020204020204" pitchFamily="34" charset="-122"/>
+            <a:ea typeface="微软雅黑" panose="020B0503020204020204" pitchFamily="34" charset="-122"/>
+          </a:endParaRPr>
         </a:p>
       </dsp:txBody>
       <dsp:txXfrm rot="-5400000">
@@ -6668,13 +6639,6 @@
               <a:ea typeface="微软雅黑" panose="020B0503020204020204" pitchFamily="34" charset="-122"/>
             </a:rPr>
           </a:br>
-          <a:r>
-            <a:rPr lang="en-US" altLang="zh-CN" sz="1200" kern="1200" dirty="0">
-              <a:latin typeface="微软雅黑" panose="020B0503020204020204" pitchFamily="34" charset="-122"/>
-              <a:ea typeface="微软雅黑" panose="020B0503020204020204" pitchFamily="34" charset="-122"/>
-            </a:rPr>
-            <a:t>programming windows 2020</a:t>
-          </a:r>
           <a:endParaRPr lang="en-US" sz="1200" kern="1200" dirty="0"/>
         </a:p>
       </dsp:txBody>
@@ -6826,9 +6790,45 @@
             <a:t>Labs: </a:t>
           </a:r>
           <a:r>
+            <a:rPr lang="en-US" altLang="zh-CN" sz="1200" kern="1200" dirty="0" err="1"/>
+            <a:t>WireShark</a:t>
+          </a:r>
+          <a:r>
             <a:rPr lang="en-US" altLang="zh-CN" sz="1200" kern="1200" dirty="0"/>
-            <a:t>VS 2019 + </a:t>
+            <a:t> </a:t>
           </a:r>
+        </a:p>
+        <a:p>
+          <a:pPr marL="0" lvl="0" indent="0" algn="ctr" defTabSz="533400">
+            <a:lnSpc>
+              <a:spcPct val="90000"/>
+            </a:lnSpc>
+            <a:spcBef>
+              <a:spcPct val="0"/>
+            </a:spcBef>
+            <a:spcAft>
+              <a:spcPct val="35000"/>
+            </a:spcAft>
+            <a:buNone/>
+          </a:pPr>
+          <a:r>
+            <a:rPr lang="en-US" altLang="zh-CN" sz="1200" kern="1200" dirty="0"/>
+            <a:t>+ </a:t>
+          </a:r>
+        </a:p>
+        <a:p>
+          <a:pPr marL="0" lvl="0" indent="0" algn="ctr" defTabSz="533400">
+            <a:lnSpc>
+              <a:spcPct val="90000"/>
+            </a:lnSpc>
+            <a:spcBef>
+              <a:spcPct val="0"/>
+            </a:spcBef>
+            <a:spcAft>
+              <a:spcPct val="35000"/>
+            </a:spcAft>
+            <a:buNone/>
+          </a:pPr>
           <a:r>
             <a:rPr lang="en-US" altLang="zh-CN" sz="1200" kern="1200" dirty="0" err="1"/>
             <a:t>github</a:t>
@@ -10743,7 +10743,7 @@
           <a:p>
             <a:fld id="{E574AC39-44E6-425E-AF49-CF7D189F346F}" type="datetimeFigureOut">
               <a:rPr lang="en-US" smtClean="0"/>
-              <a:t>2/19/2021</a:t>
+              <a:t>2/25/2021</a:t>
             </a:fld>
             <a:endParaRPr lang="en-US"/>
           </a:p>
@@ -10908,7 +10908,7 @@
           <a:p>
             <a:fld id="{DF2775BC-6312-42C7-B7C5-EA6783C2D9CA}" type="datetimeFigureOut">
               <a:rPr lang="en-US" smtClean="0"/>
-              <a:t>2/19/2021</a:t>
+              <a:t>2/25/2021</a:t>
             </a:fld>
             <a:endParaRPr lang="en-US"/>
           </a:p>
@@ -11450,90 +11450,6 @@
       </p:grpSpPr>
       <p:sp>
         <p:nvSpPr>
-          <p:cNvPr id="2" name="Slide Image Placeholder 1"/>
-          <p:cNvSpPr>
-            <a:spLocks noGrp="1" noRot="1" noChangeAspect="1"/>
-          </p:cNvSpPr>
-          <p:nvPr>
-            <p:ph type="sldImg"/>
-          </p:nvPr>
-        </p:nvSpPr>
-        <p:spPr/>
-      </p:sp>
-      <p:sp>
-        <p:nvSpPr>
-          <p:cNvPr id="3" name="Notes Placeholder 2"/>
-          <p:cNvSpPr>
-            <a:spLocks noGrp="1"/>
-          </p:cNvSpPr>
-          <p:nvPr>
-            <p:ph type="body" idx="1"/>
-          </p:nvPr>
-        </p:nvSpPr>
-        <p:spPr/>
-        <p:txBody>
-          <a:bodyPr/>
-          <a:lstStyle/>
-          <a:p>
-            <a:endParaRPr lang="en-US" dirty="0"/>
-          </a:p>
-        </p:txBody>
-      </p:sp>
-      <p:sp>
-        <p:nvSpPr>
-          <p:cNvPr id="4" name="Slide Number Placeholder 3"/>
-          <p:cNvSpPr>
-            <a:spLocks noGrp="1"/>
-          </p:cNvSpPr>
-          <p:nvPr>
-            <p:ph type="sldNum" sz="quarter" idx="10"/>
-          </p:nvPr>
-        </p:nvSpPr>
-        <p:spPr/>
-        <p:txBody>
-          <a:bodyPr/>
-          <a:lstStyle/>
-          <a:p>
-            <a:fld id="{67F715A1-4ADC-44E0-9587-804FF39D6B22}" type="slidenum">
-              <a:rPr lang="en-US" smtClean="0"/>
-              <a:t>10</a:t>
-            </a:fld>
-            <a:endParaRPr lang="en-US"/>
-          </a:p>
-        </p:txBody>
-      </p:sp>
-    </p:spTree>
-    <p:extLst>
-      <p:ext uri="{BB962C8B-B14F-4D97-AF65-F5344CB8AC3E}">
-        <p14:creationId xmlns:p14="http://schemas.microsoft.com/office/powerpoint/2010/main" val="2489534119"/>
-      </p:ext>
-    </p:extLst>
-  </p:cSld>
-  <p:clrMapOvr>
-    <a:masterClrMapping/>
-  </p:clrMapOvr>
-</p:notes>
-</file>
-
-<file path=ppt/notesSlides/notesSlide5.xml><?xml version="1.0" encoding="utf-8"?>
-<p:notes xmlns:a="http://schemas.openxmlformats.org/drawingml/2006/main" xmlns:r="http://schemas.openxmlformats.org/officeDocument/2006/relationships" xmlns:p="http://schemas.openxmlformats.org/presentationml/2006/main">
-  <p:cSld>
-    <p:spTree>
-      <p:nvGrpSpPr>
-        <p:cNvPr id="1" name=""/>
-        <p:cNvGrpSpPr/>
-        <p:nvPr/>
-      </p:nvGrpSpPr>
-      <p:grpSpPr>
-        <a:xfrm>
-          <a:off x="0" y="0"/>
-          <a:ext cx="0" cy="0"/>
-          <a:chOff x="0" y="0"/>
-          <a:chExt cx="0" cy="0"/>
-        </a:xfrm>
-      </p:grpSpPr>
-      <p:sp>
-        <p:nvSpPr>
           <p:cNvPr id="2" name="幻灯片图像占位符 1"/>
           <p:cNvSpPr>
             <a:spLocks noGrp="1" noRot="1" noChangeAspect="1"/>
@@ -11584,7 +11500,7 @@
           <a:p>
             <a:fld id="{67F715A1-4ADC-44E0-9587-804FF39D6B22}" type="slidenum">
               <a:rPr lang="en-US" smtClean="0"/>
-              <a:t>13</a:t>
+              <a:t>11</a:t>
             </a:fld>
             <a:endParaRPr lang="en-US"/>
           </a:p>
@@ -11784,7 +11700,7 @@
           <a:p>
             <a:fld id="{40FF0622-75E4-48B8-A617-5428CA5926CE}" type="datetimeFigureOut">
               <a:rPr lang="en-US" smtClean="0"/>
-              <a:t>2/19/2021</a:t>
+              <a:t>2/25/2021</a:t>
             </a:fld>
             <a:endParaRPr lang="en-US"/>
           </a:p>
@@ -12057,7 +11973,7 @@
           <a:p>
             <a:fld id="{40FF0622-75E4-48B8-A617-5428CA5926CE}" type="datetimeFigureOut">
               <a:rPr lang="en-US" smtClean="0"/>
-              <a:t>2/19/2021</a:t>
+              <a:t>2/25/2021</a:t>
             </a:fld>
             <a:endParaRPr lang="en-US"/>
           </a:p>
@@ -12183,7 +12099,7 @@
           <a:p>
             <a:fld id="{40FF0622-75E4-48B8-A617-5428CA5926CE}" type="datetimeFigureOut">
               <a:rPr lang="en-US" smtClean="0"/>
-              <a:t>2/19/2021</a:t>
+              <a:t>2/25/2021</a:t>
             </a:fld>
             <a:endParaRPr lang="en-US"/>
           </a:p>
@@ -12377,7 +12293,7 @@
           <a:p>
             <a:fld id="{40FF0622-75E4-48B8-A617-5428CA5926CE}" type="datetimeFigureOut">
               <a:rPr lang="en-US" smtClean="0"/>
-              <a:t>2/19/2021</a:t>
+              <a:t>2/25/2021</a:t>
             </a:fld>
             <a:endParaRPr lang="en-US"/>
           </a:p>
@@ -12850,7 +12766,7 @@
           <a:p>
             <a:fld id="{40FF0622-75E4-48B8-A617-5428CA5926CE}" type="datetimeFigureOut">
               <a:rPr lang="en-US" smtClean="0"/>
-              <a:t>2/19/2021</a:t>
+              <a:t>2/25/2021</a:t>
             </a:fld>
             <a:endParaRPr lang="en-US"/>
           </a:p>
@@ -12976,7 +12892,7 @@
           <a:p>
             <a:fld id="{40FF0622-75E4-48B8-A617-5428CA5926CE}" type="datetimeFigureOut">
               <a:rPr lang="en-US" smtClean="0"/>
-              <a:t>2/19/2021</a:t>
+              <a:t>2/25/2021</a:t>
             </a:fld>
             <a:endParaRPr lang="en-US"/>
           </a:p>
@@ -13264,7 +13180,7 @@
           <a:p>
             <a:fld id="{40FF0622-75E4-48B8-A617-5428CA5926CE}" type="datetimeFigureOut">
               <a:rPr lang="en-US" smtClean="0"/>
-              <a:t>2/19/2021</a:t>
+              <a:t>2/25/2021</a:t>
             </a:fld>
             <a:endParaRPr lang="en-US"/>
           </a:p>
@@ -14015,7 +13931,7 @@
           <a:p>
             <a:fld id="{40FF0622-75E4-48B8-A617-5428CA5926CE}" type="datetimeFigureOut">
               <a:rPr lang="en-US" smtClean="0"/>
-              <a:t>2/19/2021</a:t>
+              <a:t>2/25/2021</a:t>
             </a:fld>
             <a:endParaRPr lang="en-US"/>
           </a:p>
@@ -14859,7 +14775,7 @@
           <a:p>
             <a:fld id="{40FF0622-75E4-48B8-A617-5428CA5926CE}" type="datetimeFigureOut">
               <a:rPr lang="en-US" smtClean="0"/>
-              <a:t>2/19/2021</a:t>
+              <a:t>2/25/2021</a:t>
             </a:fld>
             <a:endParaRPr lang="en-US"/>
           </a:p>
@@ -15027,7 +14943,7 @@
           <a:p>
             <a:fld id="{40FF0622-75E4-48B8-A617-5428CA5926CE}" type="datetimeFigureOut">
               <a:rPr lang="en-US" smtClean="0"/>
-              <a:t>2/19/2021</a:t>
+              <a:t>2/25/2021</a:t>
             </a:fld>
             <a:endParaRPr lang="en-US"/>
           </a:p>
@@ -15205,7 +15121,7 @@
           <a:p>
             <a:fld id="{40FF0622-75E4-48B8-A617-5428CA5926CE}" type="datetimeFigureOut">
               <a:rPr lang="en-US" smtClean="0"/>
-              <a:t>2/19/2021</a:t>
+              <a:t>2/25/2021</a:t>
             </a:fld>
             <a:endParaRPr lang="en-US"/>
           </a:p>
@@ -15374,7 +15290,7 @@
           <a:p>
             <a:fld id="{40FF0622-75E4-48B8-A617-5428CA5926CE}" type="datetimeFigureOut">
               <a:rPr lang="en-US" smtClean="0"/>
-              <a:t>2/19/2021</a:t>
+              <a:t>2/25/2021</a:t>
             </a:fld>
             <a:endParaRPr lang="en-US"/>
           </a:p>
@@ -15618,7 +15534,7 @@
           <a:p>
             <a:fld id="{40FF0622-75E4-48B8-A617-5428CA5926CE}" type="datetimeFigureOut">
               <a:rPr lang="en-US" smtClean="0"/>
-              <a:t>2/19/2021</a:t>
+              <a:t>2/25/2021</a:t>
             </a:fld>
             <a:endParaRPr lang="en-US"/>
           </a:p>
@@ -15907,7 +15823,7 @@
           <a:p>
             <a:fld id="{40FF0622-75E4-48B8-A617-5428CA5926CE}" type="datetimeFigureOut">
               <a:rPr lang="en-US" smtClean="0"/>
-              <a:t>2/19/2021</a:t>
+              <a:t>2/25/2021</a:t>
             </a:fld>
             <a:endParaRPr lang="en-US"/>
           </a:p>
@@ -16342,7 +16258,7 @@
           <a:p>
             <a:fld id="{40FF0622-75E4-48B8-A617-5428CA5926CE}" type="datetimeFigureOut">
               <a:rPr lang="en-US" smtClean="0"/>
-              <a:t>2/19/2021</a:t>
+              <a:t>2/25/2021</a:t>
             </a:fld>
             <a:endParaRPr lang="en-US"/>
           </a:p>
@@ -16459,7 +16375,7 @@
           <a:p>
             <a:fld id="{40FF0622-75E4-48B8-A617-5428CA5926CE}" type="datetimeFigureOut">
               <a:rPr lang="en-US" smtClean="0"/>
-              <a:t>2/19/2021</a:t>
+              <a:t>2/25/2021</a:t>
             </a:fld>
             <a:endParaRPr lang="en-US"/>
           </a:p>
@@ -16554,7 +16470,7 @@
           <a:p>
             <a:fld id="{40FF0622-75E4-48B8-A617-5428CA5926CE}" type="datetimeFigureOut">
               <a:rPr lang="en-US" smtClean="0"/>
-              <a:t>2/19/2021</a:t>
+              <a:t>2/25/2021</a:t>
             </a:fld>
             <a:endParaRPr lang="en-US"/>
           </a:p>
@@ -16832,7 +16748,7 @@
           <a:p>
             <a:fld id="{40FF0622-75E4-48B8-A617-5428CA5926CE}" type="datetimeFigureOut">
               <a:rPr lang="en-US" smtClean="0"/>
-              <a:t>2/19/2021</a:t>
+              <a:t>2/25/2021</a:t>
             </a:fld>
             <a:endParaRPr lang="en-US"/>
           </a:p>
@@ -17106,7 +17022,7 @@
           <a:p>
             <a:fld id="{40FF0622-75E4-48B8-A617-5428CA5926CE}" type="datetimeFigureOut">
               <a:rPr lang="en-US" smtClean="0"/>
-              <a:t>2/19/2021</a:t>
+              <a:t>2/25/2021</a:t>
             </a:fld>
             <a:endParaRPr lang="en-US"/>
           </a:p>
@@ -17740,7 +17656,7 @@
           <a:p>
             <a:fld id="{40FF0622-75E4-48B8-A617-5428CA5926CE}" type="datetimeFigureOut">
               <a:rPr lang="en-US" smtClean="0"/>
-              <a:t>2/19/2021</a:t>
+              <a:t>2/25/2021</a:t>
             </a:fld>
             <a:endParaRPr lang="en-US"/>
           </a:p>
@@ -18517,7 +18433,7 @@
           <a:p>
             <a:r>
               <a:rPr lang="en-US" dirty="0"/>
-              <a:t>Schedule</a:t>
+              <a:t>Resources</a:t>
             </a:r>
           </a:p>
         </p:txBody>
@@ -18532,1588 +18448,7 @@
             <p:ph idx="1"/>
             <p:extLst>
               <p:ext uri="{D42A27DB-BD31-4B8C-83A1-F6EECF244321}">
-                <p14:modId xmlns:p14="http://schemas.microsoft.com/office/powerpoint/2010/main" val="3126880079"/>
-              </p:ext>
-            </p:extLst>
-          </p:nvPr>
-        </p:nvGraphicFramePr>
-        <p:xfrm>
-          <a:off x="646111" y="1409969"/>
-          <a:ext cx="11145395" cy="5191794"/>
-        </p:xfrm>
-        <a:graphic>
-          <a:graphicData uri="http://schemas.openxmlformats.org/drawingml/2006/table">
-            <a:tbl>
-              <a:tblPr firstRow="1" bandRow="1">
-                <a:tableStyleId>{5C22544A-7EE6-4342-B048-85BDC9FD1C3A}</a:tableStyleId>
-              </a:tblPr>
-              <a:tblGrid>
-                <a:gridCol w="1036541">
-                  <a:extLst>
-                    <a:ext uri="{9D8B030D-6E8A-4147-A177-3AD203B41FA5}">
-                      <a16:colId xmlns:a16="http://schemas.microsoft.com/office/drawing/2014/main" val="20000"/>
-                    </a:ext>
-                  </a:extLst>
-                </a:gridCol>
-                <a:gridCol w="3888465">
-                  <a:extLst>
-                    <a:ext uri="{9D8B030D-6E8A-4147-A177-3AD203B41FA5}">
-                      <a16:colId xmlns:a16="http://schemas.microsoft.com/office/drawing/2014/main" val="20001"/>
-                    </a:ext>
-                  </a:extLst>
-                </a:gridCol>
-                <a:gridCol w="2333168">
-                  <a:extLst>
-                    <a:ext uri="{9D8B030D-6E8A-4147-A177-3AD203B41FA5}">
-                      <a16:colId xmlns:a16="http://schemas.microsoft.com/office/drawing/2014/main" val="20002"/>
-                    </a:ext>
-                  </a:extLst>
-                </a:gridCol>
-                <a:gridCol w="3887221">
-                  <a:extLst>
-                    <a:ext uri="{9D8B030D-6E8A-4147-A177-3AD203B41FA5}">
-                      <a16:colId xmlns:a16="http://schemas.microsoft.com/office/drawing/2014/main" val="20003"/>
-                    </a:ext>
-                  </a:extLst>
-                </a:gridCol>
-              </a:tblGrid>
-              <a:tr h="576866">
-                <a:tc>
-                  <a:txBody>
-                    <a:bodyPr/>
-                    <a:lstStyle/>
-                    <a:p>
-                      <a:r>
-                        <a:rPr lang="en-US" dirty="0"/>
-                        <a:t>Week</a:t>
-                      </a:r>
-                    </a:p>
-                  </a:txBody>
-                  <a:tcPr anchor="ctr"/>
-                </a:tc>
-                <a:tc>
-                  <a:txBody>
-                    <a:bodyPr/>
-                    <a:lstStyle/>
-                    <a:p>
-                      <a:r>
-                        <a:rPr lang="en-US" dirty="0"/>
-                        <a:t>Topic</a:t>
-                      </a:r>
-                    </a:p>
-                  </a:txBody>
-                  <a:tcPr anchor="ctr"/>
-                </a:tc>
-                <a:tc>
-                  <a:txBody>
-                    <a:bodyPr/>
-                    <a:lstStyle/>
-                    <a:p>
-                      <a:r>
-                        <a:rPr lang="en-US" dirty="0"/>
-                        <a:t>Assignment/Project</a:t>
-                      </a:r>
-                    </a:p>
-                  </a:txBody>
-                  <a:tcPr anchor="ctr"/>
-                </a:tc>
-                <a:tc>
-                  <a:txBody>
-                    <a:bodyPr/>
-                    <a:lstStyle/>
-                    <a:p>
-                      <a:r>
-                        <a:rPr lang="en-US" dirty="0"/>
-                        <a:t>Objective</a:t>
-                      </a:r>
-                    </a:p>
-                  </a:txBody>
-                  <a:tcPr anchor="ctr"/>
-                </a:tc>
-                <a:extLst>
-                  <a:ext uri="{0D108BD9-81ED-4DB2-BD59-A6C34878D82A}">
-                    <a16:rowId xmlns:a16="http://schemas.microsoft.com/office/drawing/2014/main" val="10000"/>
-                  </a:ext>
-                </a:extLst>
-              </a:tr>
-              <a:tr h="576866">
-                <a:tc>
-                  <a:txBody>
-                    <a:bodyPr/>
-                    <a:lstStyle/>
-                    <a:p>
-                      <a:r>
-                        <a:rPr lang="en-US" dirty="0">
-                          <a:solidFill>
-                            <a:srgbClr val="002060"/>
-                          </a:solidFill>
-                        </a:rPr>
-                        <a:t>Week 1</a:t>
-                      </a:r>
-                    </a:p>
-                  </a:txBody>
-                  <a:tcPr anchor="ctr"/>
-                </a:tc>
-                <a:tc>
-                  <a:txBody>
-                    <a:bodyPr/>
-                    <a:lstStyle/>
-                    <a:p>
-                      <a:r>
-                        <a:rPr lang="en-US" altLang="zh-CN" dirty="0">
-                          <a:solidFill>
-                            <a:srgbClr val="002060"/>
-                          </a:solidFill>
-                          <a:latin typeface="微软雅黑" panose="020B0503020204020204" pitchFamily="34" charset="-122"/>
-                          <a:ea typeface="微软雅黑" panose="020B0503020204020204" pitchFamily="34" charset="-122"/>
-                        </a:rPr>
-                        <a:t>Windows</a:t>
-                      </a:r>
-                      <a:r>
-                        <a:rPr lang="zh-CN" altLang="en-US" dirty="0">
-                          <a:solidFill>
-                            <a:srgbClr val="002060"/>
-                          </a:solidFill>
-                          <a:latin typeface="微软雅黑" panose="020B0503020204020204" pitchFamily="34" charset="-122"/>
-                          <a:ea typeface="微软雅黑" panose="020B0503020204020204" pitchFamily="34" charset="-122"/>
-                        </a:rPr>
-                        <a:t>操作系统概述</a:t>
-                      </a:r>
-                      <a:endParaRPr lang="en-US" dirty="0">
-                        <a:solidFill>
-                          <a:srgbClr val="002060"/>
-                        </a:solidFill>
-                        <a:latin typeface="微软雅黑" panose="020B0503020204020204" pitchFamily="34" charset="-122"/>
-                        <a:ea typeface="微软雅黑" panose="020B0503020204020204" pitchFamily="34" charset="-122"/>
-                      </a:endParaRPr>
-                    </a:p>
-                  </a:txBody>
-                  <a:tcPr anchor="ctr"/>
-                </a:tc>
-                <a:tc>
-                  <a:txBody>
-                    <a:bodyPr/>
-                    <a:lstStyle/>
-                    <a:p>
-                      <a:r>
-                        <a:rPr lang="en-US" altLang="zh-CN" dirty="0" err="1">
-                          <a:solidFill>
-                            <a:srgbClr val="002060"/>
-                          </a:solidFill>
-                          <a:latin typeface="微软雅黑" panose="020B0503020204020204" pitchFamily="34" charset="-122"/>
-                          <a:ea typeface="微软雅黑" panose="020B0503020204020204" pitchFamily="34" charset="-122"/>
-                        </a:rPr>
-                        <a:t>gitee</a:t>
-                      </a:r>
-                      <a:r>
-                        <a:rPr lang="en-US" altLang="zh-CN" dirty="0">
-                          <a:solidFill>
-                            <a:srgbClr val="002060"/>
-                          </a:solidFill>
-                          <a:latin typeface="微软雅黑" panose="020B0503020204020204" pitchFamily="34" charset="-122"/>
-                          <a:ea typeface="微软雅黑" panose="020B0503020204020204" pitchFamily="34" charset="-122"/>
-                        </a:rPr>
-                        <a:t>, VS,</a:t>
-                      </a:r>
-                      <a:r>
-                        <a:rPr lang="en-US" altLang="zh-CN" baseline="0" dirty="0">
-                          <a:solidFill>
-                            <a:srgbClr val="002060"/>
-                          </a:solidFill>
-                          <a:latin typeface="微软雅黑" panose="020B0503020204020204" pitchFamily="34" charset="-122"/>
-                          <a:ea typeface="微软雅黑" panose="020B0503020204020204" pitchFamily="34" charset="-122"/>
-                        </a:rPr>
-                        <a:t> </a:t>
-                      </a:r>
-                      <a:r>
-                        <a:rPr lang="en-US" altLang="zh-CN" baseline="0" dirty="0" err="1">
-                          <a:solidFill>
-                            <a:srgbClr val="002060"/>
-                          </a:solidFill>
-                          <a:latin typeface="微软雅黑" panose="020B0503020204020204" pitchFamily="34" charset="-122"/>
-                          <a:ea typeface="微软雅黑" panose="020B0503020204020204" pitchFamily="34" charset="-122"/>
-                        </a:rPr>
-                        <a:t>github</a:t>
-                      </a:r>
-                      <a:r>
-                        <a:rPr lang="en-US" altLang="zh-CN" baseline="0" dirty="0">
-                          <a:solidFill>
-                            <a:srgbClr val="002060"/>
-                          </a:solidFill>
-                          <a:latin typeface="微软雅黑" panose="020B0503020204020204" pitchFamily="34" charset="-122"/>
-                          <a:ea typeface="微软雅黑" panose="020B0503020204020204" pitchFamily="34" charset="-122"/>
-                        </a:rPr>
-                        <a:t>, …</a:t>
-                      </a:r>
-                      <a:endParaRPr lang="en-US" dirty="0">
-                        <a:solidFill>
-                          <a:srgbClr val="002060"/>
-                        </a:solidFill>
-                        <a:latin typeface="微软雅黑" panose="020B0503020204020204" pitchFamily="34" charset="-122"/>
-                        <a:ea typeface="微软雅黑" panose="020B0503020204020204" pitchFamily="34" charset="-122"/>
-                      </a:endParaRPr>
-                    </a:p>
-                  </a:txBody>
-                  <a:tcPr anchor="ctr"/>
-                </a:tc>
-                <a:tc>
-                  <a:txBody>
-                    <a:bodyPr/>
-                    <a:lstStyle/>
-                    <a:p>
-                      <a:r>
-                        <a:rPr lang="en-US" dirty="0">
-                          <a:solidFill>
-                            <a:srgbClr val="002060"/>
-                          </a:solidFill>
-                          <a:latin typeface="微软雅黑" panose="020B0503020204020204" pitchFamily="34" charset="-122"/>
-                          <a:ea typeface="微软雅黑" panose="020B0503020204020204" pitchFamily="34" charset="-122"/>
-                        </a:rPr>
-                        <a:t>windows</a:t>
-                      </a:r>
-                      <a:r>
-                        <a:rPr lang="zh-CN" altLang="en-US" dirty="0">
-                          <a:solidFill>
-                            <a:srgbClr val="002060"/>
-                          </a:solidFill>
-                          <a:latin typeface="微软雅黑" panose="020B0503020204020204" pitchFamily="34" charset="-122"/>
-                          <a:ea typeface="微软雅黑" panose="020B0503020204020204" pitchFamily="34" charset="-122"/>
-                        </a:rPr>
-                        <a:t>平台下软件开发基础概念</a:t>
-                      </a:r>
-                      <a:endParaRPr lang="en-US" dirty="0">
-                        <a:solidFill>
-                          <a:srgbClr val="002060"/>
-                        </a:solidFill>
-                        <a:latin typeface="微软雅黑" panose="020B0503020204020204" pitchFamily="34" charset="-122"/>
-                        <a:ea typeface="微软雅黑" panose="020B0503020204020204" pitchFamily="34" charset="-122"/>
-                      </a:endParaRPr>
-                    </a:p>
-                  </a:txBody>
-                  <a:tcPr anchor="ctr"/>
-                </a:tc>
-                <a:extLst>
-                  <a:ext uri="{0D108BD9-81ED-4DB2-BD59-A6C34878D82A}">
-                    <a16:rowId xmlns:a16="http://schemas.microsoft.com/office/drawing/2014/main" val="10001"/>
-                  </a:ext>
-                </a:extLst>
-              </a:tr>
-              <a:tr h="576866">
-                <a:tc>
-                  <a:txBody>
-                    <a:bodyPr/>
-                    <a:lstStyle/>
-                    <a:p>
-                      <a:pPr marL="0" marR="0" indent="0" algn="l" defTabSz="457200" rtl="0" eaLnBrk="1" fontAlgn="auto" latinLnBrk="0" hangingPunct="1">
-                        <a:lnSpc>
-                          <a:spcPct val="100000"/>
-                        </a:lnSpc>
-                        <a:spcBef>
-                          <a:spcPts val="0"/>
-                        </a:spcBef>
-                        <a:spcAft>
-                          <a:spcPts val="0"/>
-                        </a:spcAft>
-                        <a:buClrTx/>
-                        <a:buSzTx/>
-                        <a:buFontTx/>
-                        <a:buNone/>
-                        <a:tabLst/>
-                        <a:defRPr/>
-                      </a:pPr>
-                      <a:r>
-                        <a:rPr lang="en-US" dirty="0">
-                          <a:solidFill>
-                            <a:srgbClr val="002060"/>
-                          </a:solidFill>
-                        </a:rPr>
-                        <a:t>Week 2</a:t>
-                      </a:r>
-                    </a:p>
-                  </a:txBody>
-                  <a:tcPr anchor="ctr"/>
-                </a:tc>
-                <a:tc>
-                  <a:txBody>
-                    <a:bodyPr/>
-                    <a:lstStyle/>
-                    <a:p>
-                      <a:pPr marL="0" marR="0" lvl="0" indent="0" algn="l" defTabSz="457200" rtl="0" eaLnBrk="1" fontAlgn="auto" latinLnBrk="0" hangingPunct="1">
-                        <a:lnSpc>
-                          <a:spcPct val="100000"/>
-                        </a:lnSpc>
-                        <a:spcBef>
-                          <a:spcPts val="0"/>
-                        </a:spcBef>
-                        <a:spcAft>
-                          <a:spcPts val="0"/>
-                        </a:spcAft>
-                        <a:buClrTx/>
-                        <a:buSzTx/>
-                        <a:buFontTx/>
-                        <a:buNone/>
-                        <a:tabLst/>
-                        <a:defRPr/>
-                      </a:pPr>
-                      <a:r>
-                        <a:rPr lang="zh-CN" altLang="en-US" dirty="0">
-                          <a:solidFill>
-                            <a:srgbClr val="002060"/>
-                          </a:solidFill>
-                          <a:latin typeface="微软雅黑" panose="020B0503020204020204" pitchFamily="34" charset="-122"/>
-                          <a:ea typeface="微软雅黑" panose="020B0503020204020204" pitchFamily="34" charset="-122"/>
-                        </a:rPr>
-                        <a:t>程序进程与进程间通信</a:t>
-                      </a:r>
-                      <a:endParaRPr lang="en-US" dirty="0">
-                        <a:solidFill>
-                          <a:srgbClr val="002060"/>
-                        </a:solidFill>
-                        <a:latin typeface="微软雅黑" panose="020B0503020204020204" pitchFamily="34" charset="-122"/>
-                        <a:ea typeface="微软雅黑" panose="020B0503020204020204" pitchFamily="34" charset="-122"/>
-                      </a:endParaRPr>
-                    </a:p>
-                  </a:txBody>
-                  <a:tcPr anchor="ctr"/>
-                </a:tc>
-                <a:tc>
-                  <a:txBody>
-                    <a:bodyPr/>
-                    <a:lstStyle/>
-                    <a:p>
-                      <a:pPr marL="0" marR="0" indent="0" algn="l" defTabSz="457200" rtl="0" eaLnBrk="1" fontAlgn="auto" latinLnBrk="0" hangingPunct="1">
-                        <a:lnSpc>
-                          <a:spcPct val="100000"/>
-                        </a:lnSpc>
-                        <a:spcBef>
-                          <a:spcPts val="0"/>
-                        </a:spcBef>
-                        <a:spcAft>
-                          <a:spcPts val="0"/>
-                        </a:spcAft>
-                        <a:buClrTx/>
-                        <a:buSzTx/>
-                        <a:buFontTx/>
-                        <a:buNone/>
-                        <a:tabLst/>
-                        <a:defRPr/>
-                      </a:pPr>
-                      <a:r>
-                        <a:rPr lang="zh-CN" altLang="en-US" dirty="0">
-                          <a:solidFill>
-                            <a:srgbClr val="002060"/>
-                          </a:solidFill>
-                          <a:latin typeface="微软雅黑" panose="020B0503020204020204" pitchFamily="34" charset="-122"/>
-                          <a:ea typeface="微软雅黑" panose="020B0503020204020204" pitchFamily="34" charset="-122"/>
-                        </a:rPr>
-                        <a:t>进程通信</a:t>
-                      </a:r>
-                      <a:endParaRPr lang="en-US" dirty="0">
-                        <a:solidFill>
-                          <a:srgbClr val="002060"/>
-                        </a:solidFill>
-                        <a:latin typeface="微软雅黑" panose="020B0503020204020204" pitchFamily="34" charset="-122"/>
-                        <a:ea typeface="微软雅黑" panose="020B0503020204020204" pitchFamily="34" charset="-122"/>
-                      </a:endParaRPr>
-                    </a:p>
-                  </a:txBody>
-                  <a:tcPr anchor="ctr"/>
-                </a:tc>
-                <a:tc>
-                  <a:txBody>
-                    <a:bodyPr/>
-                    <a:lstStyle/>
-                    <a:p>
-                      <a:r>
-                        <a:rPr lang="zh-CN" altLang="en-US" dirty="0">
-                          <a:solidFill>
-                            <a:srgbClr val="002060"/>
-                          </a:solidFill>
-                          <a:latin typeface="微软雅黑" panose="020B0503020204020204" pitchFamily="34" charset="-122"/>
-                          <a:ea typeface="微软雅黑" panose="020B0503020204020204" pitchFamily="34" charset="-122"/>
-                        </a:rPr>
-                        <a:t>通信机制、同步</a:t>
-                      </a:r>
-                      <a:endParaRPr lang="en-US" dirty="0">
-                        <a:solidFill>
-                          <a:srgbClr val="002060"/>
-                        </a:solidFill>
-                        <a:latin typeface="微软雅黑" panose="020B0503020204020204" pitchFamily="34" charset="-122"/>
-                        <a:ea typeface="微软雅黑" panose="020B0503020204020204" pitchFamily="34" charset="-122"/>
-                      </a:endParaRPr>
-                    </a:p>
-                  </a:txBody>
-                  <a:tcPr anchor="ctr"/>
-                </a:tc>
-                <a:extLst>
-                  <a:ext uri="{0D108BD9-81ED-4DB2-BD59-A6C34878D82A}">
-                    <a16:rowId xmlns:a16="http://schemas.microsoft.com/office/drawing/2014/main" val="10002"/>
-                  </a:ext>
-                </a:extLst>
-              </a:tr>
-              <a:tr h="576866">
-                <a:tc>
-                  <a:txBody>
-                    <a:bodyPr/>
-                    <a:lstStyle/>
-                    <a:p>
-                      <a:pPr marL="0" marR="0" indent="0" algn="l" defTabSz="457200" rtl="0" eaLnBrk="1" fontAlgn="auto" latinLnBrk="0" hangingPunct="1">
-                        <a:lnSpc>
-                          <a:spcPct val="100000"/>
-                        </a:lnSpc>
-                        <a:spcBef>
-                          <a:spcPts val="0"/>
-                        </a:spcBef>
-                        <a:spcAft>
-                          <a:spcPts val="0"/>
-                        </a:spcAft>
-                        <a:buClrTx/>
-                        <a:buSzTx/>
-                        <a:buFontTx/>
-                        <a:buNone/>
-                        <a:tabLst/>
-                        <a:defRPr/>
-                      </a:pPr>
-                      <a:r>
-                        <a:rPr lang="en-US" dirty="0">
-                          <a:solidFill>
-                            <a:srgbClr val="002060"/>
-                          </a:solidFill>
-                        </a:rPr>
-                        <a:t>Week 3</a:t>
-                      </a:r>
-                    </a:p>
-                  </a:txBody>
-                  <a:tcPr anchor="ctr"/>
-                </a:tc>
-                <a:tc>
-                  <a:txBody>
-                    <a:bodyPr/>
-                    <a:lstStyle/>
-                    <a:p>
-                      <a:pPr marL="0" marR="0" lvl="0" indent="0" algn="l" defTabSz="457200" rtl="0" eaLnBrk="1" fontAlgn="auto" latinLnBrk="0" hangingPunct="1">
-                        <a:lnSpc>
-                          <a:spcPct val="100000"/>
-                        </a:lnSpc>
-                        <a:spcBef>
-                          <a:spcPts val="0"/>
-                        </a:spcBef>
-                        <a:spcAft>
-                          <a:spcPts val="0"/>
-                        </a:spcAft>
-                        <a:buClrTx/>
-                        <a:buSzTx/>
-                        <a:buFontTx/>
-                        <a:buNone/>
-                        <a:tabLst/>
-                        <a:defRPr/>
-                      </a:pPr>
-                      <a:r>
-                        <a:rPr lang="zh-CN" altLang="en-US" dirty="0">
-                          <a:solidFill>
-                            <a:srgbClr val="002060"/>
-                          </a:solidFill>
-                          <a:latin typeface="微软雅黑" panose="020B0503020204020204" pitchFamily="34" charset="-122"/>
-                          <a:ea typeface="微软雅黑" panose="020B0503020204020204" pitchFamily="34" charset="-122"/>
-                        </a:rPr>
-                        <a:t>线程间通信与同步</a:t>
-                      </a:r>
-                      <a:endParaRPr lang="en-US" dirty="0">
-                        <a:solidFill>
-                          <a:srgbClr val="002060"/>
-                        </a:solidFill>
-                        <a:latin typeface="微软雅黑" panose="020B0503020204020204" pitchFamily="34" charset="-122"/>
-                        <a:ea typeface="微软雅黑" panose="020B0503020204020204" pitchFamily="34" charset="-122"/>
-                      </a:endParaRPr>
-                    </a:p>
-                  </a:txBody>
-                  <a:tcPr anchor="ctr"/>
-                </a:tc>
-                <a:tc>
-                  <a:txBody>
-                    <a:bodyPr/>
-                    <a:lstStyle/>
-                    <a:p>
-                      <a:pPr marL="0" marR="0" indent="0" algn="l" defTabSz="457200" rtl="0" eaLnBrk="1" fontAlgn="auto" latinLnBrk="0" hangingPunct="1">
-                        <a:lnSpc>
-                          <a:spcPct val="100000"/>
-                        </a:lnSpc>
-                        <a:spcBef>
-                          <a:spcPts val="0"/>
-                        </a:spcBef>
-                        <a:spcAft>
-                          <a:spcPts val="0"/>
-                        </a:spcAft>
-                        <a:buClrTx/>
-                        <a:buSzTx/>
-                        <a:buFontTx/>
-                        <a:buNone/>
-                        <a:tabLst/>
-                        <a:defRPr/>
-                      </a:pPr>
-                      <a:r>
-                        <a:rPr lang="zh-CN" altLang="en-US" dirty="0">
-                          <a:solidFill>
-                            <a:srgbClr val="002060"/>
-                          </a:solidFill>
-                          <a:latin typeface="微软雅黑" panose="020B0503020204020204" pitchFamily="34" charset="-122"/>
-                          <a:ea typeface="微软雅黑" panose="020B0503020204020204" pitchFamily="34" charset="-122"/>
-                        </a:rPr>
-                        <a:t>线程通信</a:t>
-                      </a:r>
-                      <a:endParaRPr lang="en-US" dirty="0">
-                        <a:solidFill>
-                          <a:srgbClr val="002060"/>
-                        </a:solidFill>
-                        <a:latin typeface="微软雅黑" panose="020B0503020204020204" pitchFamily="34" charset="-122"/>
-                        <a:ea typeface="微软雅黑" panose="020B0503020204020204" pitchFamily="34" charset="-122"/>
-                      </a:endParaRPr>
-                    </a:p>
-                  </a:txBody>
-                  <a:tcPr anchor="ctr"/>
-                </a:tc>
-                <a:tc>
-                  <a:txBody>
-                    <a:bodyPr/>
-                    <a:lstStyle/>
-                    <a:p>
-                      <a:r>
-                        <a:rPr lang="zh-CN" altLang="en-US" dirty="0">
-                          <a:solidFill>
-                            <a:srgbClr val="002060"/>
-                          </a:solidFill>
-                          <a:latin typeface="微软雅黑" panose="020B0503020204020204" pitchFamily="34" charset="-122"/>
-                          <a:ea typeface="微软雅黑" panose="020B0503020204020204" pitchFamily="34" charset="-122"/>
-                        </a:rPr>
-                        <a:t>通信机制、同步，多线程编程</a:t>
-                      </a:r>
-                      <a:endParaRPr lang="en-US" dirty="0">
-                        <a:solidFill>
-                          <a:srgbClr val="002060"/>
-                        </a:solidFill>
-                        <a:latin typeface="微软雅黑" panose="020B0503020204020204" pitchFamily="34" charset="-122"/>
-                        <a:ea typeface="微软雅黑" panose="020B0503020204020204" pitchFamily="34" charset="-122"/>
-                      </a:endParaRPr>
-                    </a:p>
-                  </a:txBody>
-                  <a:tcPr anchor="ctr"/>
-                </a:tc>
-                <a:extLst>
-                  <a:ext uri="{0D108BD9-81ED-4DB2-BD59-A6C34878D82A}">
-                    <a16:rowId xmlns:a16="http://schemas.microsoft.com/office/drawing/2014/main" val="10003"/>
-                  </a:ext>
-                </a:extLst>
-              </a:tr>
-              <a:tr h="576866">
-                <a:tc>
-                  <a:txBody>
-                    <a:bodyPr/>
-                    <a:lstStyle/>
-                    <a:p>
-                      <a:pPr marL="0" marR="0" indent="0" algn="l" defTabSz="457200" rtl="0" eaLnBrk="1" fontAlgn="auto" latinLnBrk="0" hangingPunct="1">
-                        <a:lnSpc>
-                          <a:spcPct val="100000"/>
-                        </a:lnSpc>
-                        <a:spcBef>
-                          <a:spcPts val="0"/>
-                        </a:spcBef>
-                        <a:spcAft>
-                          <a:spcPts val="0"/>
-                        </a:spcAft>
-                        <a:buClrTx/>
-                        <a:buSzTx/>
-                        <a:buFontTx/>
-                        <a:buNone/>
-                        <a:tabLst/>
-                        <a:defRPr/>
-                      </a:pPr>
-                      <a:r>
-                        <a:rPr lang="en-US" dirty="0">
-                          <a:solidFill>
-                            <a:srgbClr val="002060"/>
-                          </a:solidFill>
-                        </a:rPr>
-                        <a:t>Week 4</a:t>
-                      </a:r>
-                    </a:p>
-                  </a:txBody>
-                  <a:tcPr anchor="ctr"/>
-                </a:tc>
-                <a:tc>
-                  <a:txBody>
-                    <a:bodyPr/>
-                    <a:lstStyle/>
-                    <a:p>
-                      <a:pPr marL="0" marR="0" lvl="0" indent="0" algn="l" defTabSz="457200" rtl="0" eaLnBrk="1" fontAlgn="auto" latinLnBrk="0" hangingPunct="1">
-                        <a:lnSpc>
-                          <a:spcPct val="100000"/>
-                        </a:lnSpc>
-                        <a:spcBef>
-                          <a:spcPts val="0"/>
-                        </a:spcBef>
-                        <a:spcAft>
-                          <a:spcPts val="0"/>
-                        </a:spcAft>
-                        <a:buClrTx/>
-                        <a:buSzTx/>
-                        <a:buFontTx/>
-                        <a:buNone/>
-                        <a:tabLst/>
-                        <a:defRPr/>
-                      </a:pPr>
-                      <a:r>
-                        <a:rPr lang="zh-CN" altLang="en-US" dirty="0">
-                          <a:solidFill>
-                            <a:srgbClr val="002060"/>
-                          </a:solidFill>
-                          <a:latin typeface="微软雅黑" panose="020B0503020204020204" pitchFamily="34" charset="-122"/>
-                          <a:ea typeface="微软雅黑" panose="020B0503020204020204" pitchFamily="34" charset="-122"/>
-                        </a:rPr>
-                        <a:t>文件系统管理</a:t>
-                      </a:r>
-                      <a:endParaRPr lang="en-US" dirty="0">
-                        <a:solidFill>
-                          <a:srgbClr val="002060"/>
-                        </a:solidFill>
-                        <a:latin typeface="微软雅黑" panose="020B0503020204020204" pitchFamily="34" charset="-122"/>
-                        <a:ea typeface="微软雅黑" panose="020B0503020204020204" pitchFamily="34" charset="-122"/>
-                      </a:endParaRPr>
-                    </a:p>
-                  </a:txBody>
-                  <a:tcPr anchor="ctr"/>
-                </a:tc>
-                <a:tc>
-                  <a:txBody>
-                    <a:bodyPr/>
-                    <a:lstStyle/>
-                    <a:p>
-                      <a:pPr marL="0" marR="0" indent="0" algn="l" defTabSz="457200" rtl="0" eaLnBrk="1" fontAlgn="auto" latinLnBrk="0" hangingPunct="1">
-                        <a:lnSpc>
-                          <a:spcPct val="100000"/>
-                        </a:lnSpc>
-                        <a:spcBef>
-                          <a:spcPts val="0"/>
-                        </a:spcBef>
-                        <a:spcAft>
-                          <a:spcPts val="0"/>
-                        </a:spcAft>
-                        <a:buClrTx/>
-                        <a:buSzTx/>
-                        <a:buFontTx/>
-                        <a:buNone/>
-                        <a:tabLst/>
-                        <a:defRPr/>
-                      </a:pPr>
-                      <a:endParaRPr lang="en-US" dirty="0">
-                        <a:solidFill>
-                          <a:srgbClr val="002060"/>
-                        </a:solidFill>
-                        <a:latin typeface="微软雅黑" panose="020B0503020204020204" pitchFamily="34" charset="-122"/>
-                        <a:ea typeface="微软雅黑" panose="020B0503020204020204" pitchFamily="34" charset="-122"/>
-                      </a:endParaRPr>
-                    </a:p>
-                  </a:txBody>
-                  <a:tcPr anchor="ctr"/>
-                </a:tc>
-                <a:tc>
-                  <a:txBody>
-                    <a:bodyPr/>
-                    <a:lstStyle/>
-                    <a:p>
-                      <a:endParaRPr lang="en-US" dirty="0">
-                        <a:solidFill>
-                          <a:srgbClr val="002060"/>
-                        </a:solidFill>
-                        <a:latin typeface="微软雅黑" panose="020B0503020204020204" pitchFamily="34" charset="-122"/>
-                        <a:ea typeface="微软雅黑" panose="020B0503020204020204" pitchFamily="34" charset="-122"/>
-                      </a:endParaRPr>
-                    </a:p>
-                  </a:txBody>
-                  <a:tcPr anchor="ctr"/>
-                </a:tc>
-                <a:extLst>
-                  <a:ext uri="{0D108BD9-81ED-4DB2-BD59-A6C34878D82A}">
-                    <a16:rowId xmlns:a16="http://schemas.microsoft.com/office/drawing/2014/main" val="10004"/>
-                  </a:ext>
-                </a:extLst>
-              </a:tr>
-              <a:tr h="576866">
-                <a:tc>
-                  <a:txBody>
-                    <a:bodyPr/>
-                    <a:lstStyle/>
-                    <a:p>
-                      <a:r>
-                        <a:rPr lang="en-US" dirty="0">
-                          <a:solidFill>
-                            <a:srgbClr val="002060"/>
-                          </a:solidFill>
-                        </a:rPr>
-                        <a:t>Week 5</a:t>
-                      </a:r>
-                    </a:p>
-                  </a:txBody>
-                  <a:tcPr anchor="ctr"/>
-                </a:tc>
-                <a:tc>
-                  <a:txBody>
-                    <a:bodyPr/>
-                    <a:lstStyle/>
-                    <a:p>
-                      <a:pPr marL="0" marR="0" lvl="0" indent="0" algn="l" defTabSz="457200" rtl="0" eaLnBrk="1" fontAlgn="auto" latinLnBrk="0" hangingPunct="1">
-                        <a:lnSpc>
-                          <a:spcPct val="100000"/>
-                        </a:lnSpc>
-                        <a:spcBef>
-                          <a:spcPts val="0"/>
-                        </a:spcBef>
-                        <a:spcAft>
-                          <a:spcPts val="0"/>
-                        </a:spcAft>
-                        <a:buClrTx/>
-                        <a:buSzTx/>
-                        <a:buFontTx/>
-                        <a:buNone/>
-                        <a:tabLst/>
-                        <a:defRPr/>
-                      </a:pPr>
-                      <a:r>
-                        <a:rPr lang="zh-CN" altLang="en-US" dirty="0">
-                          <a:solidFill>
-                            <a:srgbClr val="002060"/>
-                          </a:solidFill>
-                          <a:latin typeface="微软雅黑" panose="020B0503020204020204" pitchFamily="34" charset="-122"/>
-                          <a:ea typeface="微软雅黑" panose="020B0503020204020204" pitchFamily="34" charset="-122"/>
-                        </a:rPr>
-                        <a:t>注册表</a:t>
-                      </a:r>
-                    </a:p>
-                  </a:txBody>
-                  <a:tcPr anchor="ctr"/>
-                </a:tc>
-                <a:tc>
-                  <a:txBody>
-                    <a:bodyPr/>
-                    <a:lstStyle/>
-                    <a:p>
-                      <a:pPr marL="0" marR="0" lvl="0" indent="0" algn="l" defTabSz="457200" rtl="0" eaLnBrk="1" fontAlgn="auto" latinLnBrk="0" hangingPunct="1">
-                        <a:lnSpc>
-                          <a:spcPct val="100000"/>
-                        </a:lnSpc>
-                        <a:spcBef>
-                          <a:spcPts val="0"/>
-                        </a:spcBef>
-                        <a:spcAft>
-                          <a:spcPts val="0"/>
-                        </a:spcAft>
-                        <a:buClrTx/>
-                        <a:buSzTx/>
-                        <a:buFontTx/>
-                        <a:buNone/>
-                        <a:tabLst/>
-                        <a:defRPr/>
-                      </a:pPr>
-                      <a:endParaRPr lang="en-US" dirty="0">
-                        <a:solidFill>
-                          <a:srgbClr val="002060"/>
-                        </a:solidFill>
-                        <a:latin typeface="微软雅黑" panose="020B0503020204020204" pitchFamily="34" charset="-122"/>
-                        <a:ea typeface="微软雅黑" panose="020B0503020204020204" pitchFamily="34" charset="-122"/>
-                      </a:endParaRPr>
-                    </a:p>
-                  </a:txBody>
-                  <a:tcPr anchor="ctr"/>
-                </a:tc>
-                <a:tc>
-                  <a:txBody>
-                    <a:bodyPr/>
-                    <a:lstStyle/>
-                    <a:p>
-                      <a:pPr marL="0" marR="0" lvl="0" indent="0" algn="l" defTabSz="457200" rtl="0" eaLnBrk="1" fontAlgn="auto" latinLnBrk="0" hangingPunct="1">
-                        <a:lnSpc>
-                          <a:spcPct val="100000"/>
-                        </a:lnSpc>
-                        <a:spcBef>
-                          <a:spcPts val="0"/>
-                        </a:spcBef>
-                        <a:spcAft>
-                          <a:spcPts val="0"/>
-                        </a:spcAft>
-                        <a:buClrTx/>
-                        <a:buSzTx/>
-                        <a:buFontTx/>
-                        <a:buNone/>
-                        <a:tabLst/>
-                        <a:defRPr/>
-                      </a:pPr>
-                      <a:endParaRPr lang="en-US" dirty="0">
-                        <a:solidFill>
-                          <a:srgbClr val="002060"/>
-                        </a:solidFill>
-                        <a:latin typeface="微软雅黑" panose="020B0503020204020204" pitchFamily="34" charset="-122"/>
-                        <a:ea typeface="微软雅黑" panose="020B0503020204020204" pitchFamily="34" charset="-122"/>
-                      </a:endParaRPr>
-                    </a:p>
-                  </a:txBody>
-                  <a:tcPr anchor="ctr"/>
-                </a:tc>
-                <a:extLst>
-                  <a:ext uri="{0D108BD9-81ED-4DB2-BD59-A6C34878D82A}">
-                    <a16:rowId xmlns:a16="http://schemas.microsoft.com/office/drawing/2014/main" val="10005"/>
-                  </a:ext>
-                </a:extLst>
-              </a:tr>
-              <a:tr h="576866">
-                <a:tc>
-                  <a:txBody>
-                    <a:bodyPr/>
-                    <a:lstStyle/>
-                    <a:p>
-                      <a:pPr marL="0" marR="0" indent="0" algn="l" defTabSz="457200" rtl="0" eaLnBrk="1" fontAlgn="auto" latinLnBrk="0" hangingPunct="1">
-                        <a:lnSpc>
-                          <a:spcPct val="100000"/>
-                        </a:lnSpc>
-                        <a:spcBef>
-                          <a:spcPts val="0"/>
-                        </a:spcBef>
-                        <a:spcAft>
-                          <a:spcPts val="0"/>
-                        </a:spcAft>
-                        <a:buClrTx/>
-                        <a:buSzTx/>
-                        <a:buFontTx/>
-                        <a:buNone/>
-                        <a:tabLst/>
-                        <a:defRPr/>
-                      </a:pPr>
-                      <a:r>
-                        <a:rPr lang="en-US" dirty="0">
-                          <a:solidFill>
-                            <a:srgbClr val="002060"/>
-                          </a:solidFill>
-                        </a:rPr>
-                        <a:t>Week 6</a:t>
-                      </a:r>
-                    </a:p>
-                  </a:txBody>
-                  <a:tcPr anchor="ctr"/>
-                </a:tc>
-                <a:tc>
-                  <a:txBody>
-                    <a:bodyPr/>
-                    <a:lstStyle/>
-                    <a:p>
-                      <a:r>
-                        <a:rPr lang="zh-CN" altLang="en-US" dirty="0">
-                          <a:solidFill>
-                            <a:srgbClr val="002060"/>
-                          </a:solidFill>
-                          <a:latin typeface="微软雅黑" panose="020B0503020204020204" pitchFamily="34" charset="-122"/>
-                          <a:ea typeface="微软雅黑" panose="020B0503020204020204" pitchFamily="34" charset="-122"/>
-                        </a:rPr>
-                        <a:t>动态链接库的创建与使用</a:t>
-                      </a:r>
-                      <a:endParaRPr lang="en-US" dirty="0">
-                        <a:solidFill>
-                          <a:srgbClr val="002060"/>
-                        </a:solidFill>
-                        <a:latin typeface="微软雅黑" panose="020B0503020204020204" pitchFamily="34" charset="-122"/>
-                        <a:ea typeface="微软雅黑" panose="020B0503020204020204" pitchFamily="34" charset="-122"/>
-                      </a:endParaRPr>
-                    </a:p>
-                  </a:txBody>
-                  <a:tcPr anchor="ctr"/>
-                </a:tc>
-                <a:tc>
-                  <a:txBody>
-                    <a:bodyPr/>
-                    <a:lstStyle/>
-                    <a:p>
-                      <a:pPr marL="0" marR="0" lvl="0" indent="0" algn="l" defTabSz="457200" rtl="0" eaLnBrk="1" fontAlgn="auto" latinLnBrk="0" hangingPunct="1">
-                        <a:lnSpc>
-                          <a:spcPct val="100000"/>
-                        </a:lnSpc>
-                        <a:spcBef>
-                          <a:spcPts val="0"/>
-                        </a:spcBef>
-                        <a:spcAft>
-                          <a:spcPts val="0"/>
-                        </a:spcAft>
-                        <a:buClrTx/>
-                        <a:buSzTx/>
-                        <a:buFontTx/>
-                        <a:buNone/>
-                        <a:tabLst/>
-                        <a:defRPr/>
-                      </a:pPr>
-                      <a:r>
-                        <a:rPr lang="zh-CN" altLang="en-US" dirty="0">
-                          <a:solidFill>
-                            <a:srgbClr val="002060"/>
-                          </a:solidFill>
-                          <a:latin typeface="微软雅黑" panose="020B0503020204020204" pitchFamily="34" charset="-122"/>
-                          <a:ea typeface="微软雅黑" panose="020B0503020204020204" pitchFamily="34" charset="-122"/>
-                        </a:rPr>
-                        <a:t>创建与使用</a:t>
-                      </a:r>
-                      <a:endParaRPr lang="en-US" dirty="0">
-                        <a:solidFill>
-                          <a:srgbClr val="002060"/>
-                        </a:solidFill>
-                        <a:latin typeface="微软雅黑" panose="020B0503020204020204" pitchFamily="34" charset="-122"/>
-                        <a:ea typeface="微软雅黑" panose="020B0503020204020204" pitchFamily="34" charset="-122"/>
-                      </a:endParaRPr>
-                    </a:p>
-                  </a:txBody>
-                  <a:tcPr anchor="ctr"/>
-                </a:tc>
-                <a:tc>
-                  <a:txBody>
-                    <a:bodyPr/>
-                    <a:lstStyle/>
-                    <a:p>
-                      <a:r>
-                        <a:rPr lang="en-US" altLang="zh-CN" dirty="0">
-                          <a:solidFill>
-                            <a:srgbClr val="002060"/>
-                          </a:solidFill>
-                          <a:latin typeface="微软雅黑" panose="020B0503020204020204" pitchFamily="34" charset="-122"/>
-                          <a:ea typeface="微软雅黑" panose="020B0503020204020204" pitchFamily="34" charset="-122"/>
-                        </a:rPr>
-                        <a:t>C#/C++</a:t>
-                      </a:r>
-                      <a:r>
-                        <a:rPr lang="zh-CN" altLang="en-US" dirty="0">
-                          <a:solidFill>
-                            <a:srgbClr val="002060"/>
-                          </a:solidFill>
-                          <a:latin typeface="微软雅黑" panose="020B0503020204020204" pitchFamily="34" charset="-122"/>
-                          <a:ea typeface="微软雅黑" panose="020B0503020204020204" pitchFamily="34" charset="-122"/>
-                        </a:rPr>
-                        <a:t>使用</a:t>
-                      </a:r>
-                      <a:r>
-                        <a:rPr lang="en-US" altLang="zh-CN" dirty="0">
-                          <a:solidFill>
-                            <a:srgbClr val="002060"/>
-                          </a:solidFill>
-                          <a:latin typeface="微软雅黑" panose="020B0503020204020204" pitchFamily="34" charset="-122"/>
-                          <a:ea typeface="微软雅黑" panose="020B0503020204020204" pitchFamily="34" charset="-122"/>
-                        </a:rPr>
-                        <a:t>C++/C#</a:t>
-                      </a:r>
-                      <a:r>
-                        <a:rPr lang="zh-CN" altLang="en-US" dirty="0">
-                          <a:solidFill>
-                            <a:srgbClr val="002060"/>
-                          </a:solidFill>
-                          <a:latin typeface="微软雅黑" panose="020B0503020204020204" pitchFamily="34" charset="-122"/>
-                          <a:ea typeface="微软雅黑" panose="020B0503020204020204" pitchFamily="34" charset="-122"/>
-                        </a:rPr>
-                        <a:t>的</a:t>
-                      </a:r>
-                      <a:r>
-                        <a:rPr lang="en-US" altLang="zh-CN" dirty="0" err="1">
-                          <a:solidFill>
-                            <a:srgbClr val="002060"/>
-                          </a:solidFill>
-                          <a:latin typeface="微软雅黑" panose="020B0503020204020204" pitchFamily="34" charset="-122"/>
-                          <a:ea typeface="微软雅黑" panose="020B0503020204020204" pitchFamily="34" charset="-122"/>
-                        </a:rPr>
-                        <a:t>dll</a:t>
-                      </a:r>
-                      <a:endParaRPr lang="en-US" dirty="0">
-                        <a:solidFill>
-                          <a:srgbClr val="002060"/>
-                        </a:solidFill>
-                        <a:latin typeface="微软雅黑" panose="020B0503020204020204" pitchFamily="34" charset="-122"/>
-                        <a:ea typeface="微软雅黑" panose="020B0503020204020204" pitchFamily="34" charset="-122"/>
-                      </a:endParaRPr>
-                    </a:p>
-                  </a:txBody>
-                  <a:tcPr anchor="ctr"/>
-                </a:tc>
-                <a:extLst>
-                  <a:ext uri="{0D108BD9-81ED-4DB2-BD59-A6C34878D82A}">
-                    <a16:rowId xmlns:a16="http://schemas.microsoft.com/office/drawing/2014/main" val="3462606283"/>
-                  </a:ext>
-                </a:extLst>
-              </a:tr>
-              <a:tr h="576866">
-                <a:tc>
-                  <a:txBody>
-                    <a:bodyPr/>
-                    <a:lstStyle/>
-                    <a:p>
-                      <a:pPr marL="0" marR="0" indent="0" algn="l" defTabSz="457200" rtl="0" eaLnBrk="1" fontAlgn="auto" latinLnBrk="0" hangingPunct="1">
-                        <a:lnSpc>
-                          <a:spcPct val="100000"/>
-                        </a:lnSpc>
-                        <a:spcBef>
-                          <a:spcPts val="0"/>
-                        </a:spcBef>
-                        <a:spcAft>
-                          <a:spcPts val="0"/>
-                        </a:spcAft>
-                        <a:buClrTx/>
-                        <a:buSzTx/>
-                        <a:buFontTx/>
-                        <a:buNone/>
-                        <a:tabLst/>
-                        <a:defRPr/>
-                      </a:pPr>
-                      <a:r>
-                        <a:rPr lang="en-US" dirty="0">
-                          <a:solidFill>
-                            <a:srgbClr val="002060"/>
-                          </a:solidFill>
-                        </a:rPr>
-                        <a:t>Week 7</a:t>
-                      </a:r>
-                    </a:p>
-                  </a:txBody>
-                  <a:tcPr anchor="ctr"/>
-                </a:tc>
-                <a:tc>
-                  <a:txBody>
-                    <a:bodyPr/>
-                    <a:lstStyle/>
-                    <a:p>
-                      <a:pPr marL="0" marR="0" lvl="0" indent="0" algn="l" defTabSz="457200" rtl="0" eaLnBrk="1" fontAlgn="auto" latinLnBrk="0" hangingPunct="1">
-                        <a:lnSpc>
-                          <a:spcPct val="100000"/>
-                        </a:lnSpc>
-                        <a:spcBef>
-                          <a:spcPts val="0"/>
-                        </a:spcBef>
-                        <a:spcAft>
-                          <a:spcPts val="0"/>
-                        </a:spcAft>
-                        <a:buClrTx/>
-                        <a:buSzTx/>
-                        <a:buFontTx/>
-                        <a:buNone/>
-                        <a:tabLst/>
-                        <a:defRPr/>
-                      </a:pPr>
-                      <a:r>
-                        <a:rPr lang="en-US" altLang="zh-CN" dirty="0">
-                          <a:solidFill>
-                            <a:srgbClr val="002060"/>
-                          </a:solidFill>
-                          <a:latin typeface="微软雅黑" panose="020B0503020204020204" pitchFamily="34" charset="-122"/>
-                          <a:ea typeface="微软雅黑" panose="020B0503020204020204" pitchFamily="34" charset="-122"/>
-                        </a:rPr>
-                        <a:t>Windows COM</a:t>
-                      </a:r>
-                      <a:r>
-                        <a:rPr lang="zh-CN" altLang="en-US" dirty="0">
-                          <a:solidFill>
-                            <a:srgbClr val="002060"/>
-                          </a:solidFill>
-                          <a:latin typeface="微软雅黑" panose="020B0503020204020204" pitchFamily="34" charset="-122"/>
-                          <a:ea typeface="微软雅黑" panose="020B0503020204020204" pitchFamily="34" charset="-122"/>
-                        </a:rPr>
-                        <a:t>原理与技术</a:t>
-                      </a:r>
-                      <a:endParaRPr lang="en-US" dirty="0">
-                        <a:solidFill>
-                          <a:srgbClr val="002060"/>
-                        </a:solidFill>
-                        <a:latin typeface="微软雅黑" panose="020B0503020204020204" pitchFamily="34" charset="-122"/>
-                        <a:ea typeface="微软雅黑" panose="020B0503020204020204" pitchFamily="34" charset="-122"/>
-                      </a:endParaRPr>
-                    </a:p>
-                  </a:txBody>
-                  <a:tcPr anchor="ctr"/>
-                </a:tc>
-                <a:tc>
-                  <a:txBody>
-                    <a:bodyPr/>
-                    <a:lstStyle/>
-                    <a:p>
-                      <a:pPr marL="0" marR="0" indent="0" algn="l" defTabSz="457200" rtl="0" eaLnBrk="1" fontAlgn="auto" latinLnBrk="0" hangingPunct="1">
-                        <a:lnSpc>
-                          <a:spcPct val="100000"/>
-                        </a:lnSpc>
-                        <a:spcBef>
-                          <a:spcPts val="0"/>
-                        </a:spcBef>
-                        <a:spcAft>
-                          <a:spcPts val="0"/>
-                        </a:spcAft>
-                        <a:buClrTx/>
-                        <a:buSzTx/>
-                        <a:buFontTx/>
-                        <a:buNone/>
-                        <a:tabLst/>
-                        <a:defRPr/>
-                      </a:pPr>
-                      <a:r>
-                        <a:rPr lang="zh-CN" altLang="en-US" dirty="0">
-                          <a:solidFill>
-                            <a:srgbClr val="002060"/>
-                          </a:solidFill>
-                          <a:latin typeface="微软雅黑" panose="020B0503020204020204" pitchFamily="34" charset="-122"/>
-                          <a:ea typeface="微软雅黑" panose="020B0503020204020204" pitchFamily="34" charset="-122"/>
-                        </a:rPr>
-                        <a:t>创建与调用</a:t>
-                      </a:r>
-                      <a:endParaRPr lang="en-US" dirty="0">
-                        <a:solidFill>
-                          <a:srgbClr val="002060"/>
-                        </a:solidFill>
-                        <a:latin typeface="微软雅黑" panose="020B0503020204020204" pitchFamily="34" charset="-122"/>
-                        <a:ea typeface="微软雅黑" panose="020B0503020204020204" pitchFamily="34" charset="-122"/>
-                      </a:endParaRPr>
-                    </a:p>
-                  </a:txBody>
-                  <a:tcPr anchor="ctr"/>
-                </a:tc>
-                <a:tc>
-                  <a:txBody>
-                    <a:bodyPr/>
-                    <a:lstStyle/>
-                    <a:p>
-                      <a:r>
-                        <a:rPr lang="zh-CN" altLang="en-US" dirty="0">
-                          <a:solidFill>
-                            <a:srgbClr val="002060"/>
-                          </a:solidFill>
-                          <a:latin typeface="微软雅黑" panose="020B0503020204020204" pitchFamily="34" charset="-122"/>
-                          <a:ea typeface="微软雅黑" panose="020B0503020204020204" pitchFamily="34" charset="-122"/>
-                        </a:rPr>
-                        <a:t>主要</a:t>
-                      </a:r>
-                      <a:r>
-                        <a:rPr lang="en-US" dirty="0">
-                          <a:solidFill>
-                            <a:srgbClr val="002060"/>
-                          </a:solidFill>
-                          <a:latin typeface="微软雅黑" panose="020B0503020204020204" pitchFamily="34" charset="-122"/>
-                          <a:ea typeface="微软雅黑" panose="020B0503020204020204" pitchFamily="34" charset="-122"/>
-                        </a:rPr>
-                        <a:t>Office</a:t>
-                      </a:r>
-                      <a:r>
-                        <a:rPr lang="zh-CN" altLang="en-US" dirty="0">
-                          <a:solidFill>
-                            <a:srgbClr val="002060"/>
-                          </a:solidFill>
-                          <a:latin typeface="微软雅黑" panose="020B0503020204020204" pitchFamily="34" charset="-122"/>
-                          <a:ea typeface="微软雅黑" panose="020B0503020204020204" pitchFamily="34" charset="-122"/>
-                        </a:rPr>
-                        <a:t>对象的调用</a:t>
-                      </a:r>
-                      <a:endParaRPr lang="en-US" dirty="0">
-                        <a:solidFill>
-                          <a:srgbClr val="002060"/>
-                        </a:solidFill>
-                        <a:latin typeface="微软雅黑" panose="020B0503020204020204" pitchFamily="34" charset="-122"/>
-                        <a:ea typeface="微软雅黑" panose="020B0503020204020204" pitchFamily="34" charset="-122"/>
-                      </a:endParaRPr>
-                    </a:p>
-                  </a:txBody>
-                  <a:tcPr anchor="ctr"/>
-                </a:tc>
-                <a:extLst>
-                  <a:ext uri="{0D108BD9-81ED-4DB2-BD59-A6C34878D82A}">
-                    <a16:rowId xmlns:a16="http://schemas.microsoft.com/office/drawing/2014/main" val="2108860990"/>
-                  </a:ext>
-                </a:extLst>
-              </a:tr>
-              <a:tr h="576866">
-                <a:tc>
-                  <a:txBody>
-                    <a:bodyPr/>
-                    <a:lstStyle/>
-                    <a:p>
-                      <a:r>
-                        <a:rPr lang="en-US" dirty="0">
-                          <a:solidFill>
-                            <a:srgbClr val="002060"/>
-                          </a:solidFill>
-                        </a:rPr>
-                        <a:t>Week 8</a:t>
-                      </a:r>
-                    </a:p>
-                  </a:txBody>
-                  <a:tcPr anchor="ctr"/>
-                </a:tc>
-                <a:tc>
-                  <a:txBody>
-                    <a:bodyPr/>
-                    <a:lstStyle/>
-                    <a:p>
-                      <a:pPr marL="0" marR="0" lvl="0" indent="0" algn="l" defTabSz="457200" rtl="0" eaLnBrk="1" fontAlgn="auto" latinLnBrk="0" hangingPunct="1">
-                        <a:lnSpc>
-                          <a:spcPct val="100000"/>
-                        </a:lnSpc>
-                        <a:spcBef>
-                          <a:spcPts val="0"/>
-                        </a:spcBef>
-                        <a:spcAft>
-                          <a:spcPts val="0"/>
-                        </a:spcAft>
-                        <a:buClrTx/>
-                        <a:buSzTx/>
-                        <a:buFontTx/>
-                        <a:buNone/>
-                        <a:tabLst/>
-                        <a:defRPr/>
-                      </a:pPr>
-                      <a:r>
-                        <a:rPr lang="en-US" altLang="zh-CN" dirty="0">
-                          <a:solidFill>
-                            <a:srgbClr val="002060"/>
-                          </a:solidFill>
-                          <a:latin typeface="微软雅黑" panose="020B0503020204020204" pitchFamily="34" charset="-122"/>
-                          <a:ea typeface="微软雅黑" panose="020B0503020204020204" pitchFamily="34" charset="-122"/>
-                        </a:rPr>
-                        <a:t>Windows</a:t>
-                      </a:r>
-                      <a:r>
-                        <a:rPr lang="zh-CN" altLang="en-US" dirty="0">
-                          <a:solidFill>
-                            <a:srgbClr val="002060"/>
-                          </a:solidFill>
-                          <a:latin typeface="微软雅黑" panose="020B0503020204020204" pitchFamily="34" charset="-122"/>
-                          <a:ea typeface="微软雅黑" panose="020B0503020204020204" pitchFamily="34" charset="-122"/>
-                        </a:rPr>
-                        <a:t>窗体原理与消息处理机制</a:t>
-                      </a:r>
-                      <a:endParaRPr lang="en-US" dirty="0">
-                        <a:solidFill>
-                          <a:srgbClr val="002060"/>
-                        </a:solidFill>
-                        <a:latin typeface="微软雅黑" panose="020B0503020204020204" pitchFamily="34" charset="-122"/>
-                        <a:ea typeface="微软雅黑" panose="020B0503020204020204" pitchFamily="34" charset="-122"/>
-                      </a:endParaRPr>
-                    </a:p>
-                  </a:txBody>
-                  <a:tcPr anchor="ctr"/>
-                </a:tc>
-                <a:tc>
-                  <a:txBody>
-                    <a:bodyPr/>
-                    <a:lstStyle/>
-                    <a:p>
-                      <a:pPr marL="0" marR="0" lvl="0" indent="0" algn="l" defTabSz="457200" rtl="0" eaLnBrk="1" fontAlgn="auto" latinLnBrk="0" hangingPunct="1">
-                        <a:lnSpc>
-                          <a:spcPct val="100000"/>
-                        </a:lnSpc>
-                        <a:spcBef>
-                          <a:spcPts val="0"/>
-                        </a:spcBef>
-                        <a:spcAft>
-                          <a:spcPts val="0"/>
-                        </a:spcAft>
-                        <a:buClrTx/>
-                        <a:buSzTx/>
-                        <a:buFontTx/>
-                        <a:buNone/>
-                        <a:tabLst/>
-                        <a:defRPr/>
-                      </a:pPr>
-                      <a:r>
-                        <a:rPr lang="zh-CN" altLang="en-US" dirty="0">
-                          <a:solidFill>
-                            <a:srgbClr val="002060"/>
-                          </a:solidFill>
-                          <a:latin typeface="微软雅黑" panose="020B0503020204020204" pitchFamily="34" charset="-122"/>
-                          <a:ea typeface="微软雅黑" panose="020B0503020204020204" pitchFamily="34" charset="-122"/>
-                        </a:rPr>
-                        <a:t>消息处理机制</a:t>
-                      </a:r>
-                      <a:endParaRPr lang="en-US" dirty="0">
-                        <a:solidFill>
-                          <a:srgbClr val="002060"/>
-                        </a:solidFill>
-                        <a:latin typeface="微软雅黑" panose="020B0503020204020204" pitchFamily="34" charset="-122"/>
-                        <a:ea typeface="微软雅黑" panose="020B0503020204020204" pitchFamily="34" charset="-122"/>
-                      </a:endParaRPr>
-                    </a:p>
-                  </a:txBody>
-                  <a:tcPr anchor="ctr"/>
-                </a:tc>
-                <a:tc>
-                  <a:txBody>
-                    <a:bodyPr/>
-                    <a:lstStyle/>
-                    <a:p>
-                      <a:pPr marL="0" marR="0" lvl="0" indent="0" algn="l" defTabSz="457200" rtl="0" eaLnBrk="1" fontAlgn="auto" latinLnBrk="0" hangingPunct="1">
-                        <a:lnSpc>
-                          <a:spcPct val="100000"/>
-                        </a:lnSpc>
-                        <a:spcBef>
-                          <a:spcPts val="0"/>
-                        </a:spcBef>
-                        <a:spcAft>
-                          <a:spcPts val="0"/>
-                        </a:spcAft>
-                        <a:buClrTx/>
-                        <a:buSzTx/>
-                        <a:buFontTx/>
-                        <a:buNone/>
-                        <a:tabLst/>
-                        <a:defRPr/>
-                      </a:pPr>
-                      <a:r>
-                        <a:rPr lang="zh-CN" altLang="en-US" dirty="0">
-                          <a:solidFill>
-                            <a:srgbClr val="002060"/>
-                          </a:solidFill>
-                          <a:latin typeface="微软雅黑" panose="020B0503020204020204" pitchFamily="34" charset="-122"/>
-                          <a:ea typeface="微软雅黑" panose="020B0503020204020204" pitchFamily="34" charset="-122"/>
-                        </a:rPr>
-                        <a:t>消息、事件、回调函数，补充</a:t>
-                      </a:r>
-                      <a:r>
-                        <a:rPr lang="en-US" altLang="zh-CN" dirty="0" err="1">
-                          <a:solidFill>
-                            <a:srgbClr val="002060"/>
-                          </a:solidFill>
-                          <a:latin typeface="微软雅黑" panose="020B0503020204020204" pitchFamily="34" charset="-122"/>
-                          <a:ea typeface="微软雅黑" panose="020B0503020204020204" pitchFamily="34" charset="-122"/>
-                        </a:rPr>
-                        <a:t>fsm</a:t>
-                      </a:r>
-                      <a:endParaRPr lang="en-US" dirty="0">
-                        <a:solidFill>
-                          <a:srgbClr val="002060"/>
-                        </a:solidFill>
-                        <a:latin typeface="微软雅黑" panose="020B0503020204020204" pitchFamily="34" charset="-122"/>
-                        <a:ea typeface="微软雅黑" panose="020B0503020204020204" pitchFamily="34" charset="-122"/>
-                      </a:endParaRPr>
-                    </a:p>
-                  </a:txBody>
-                  <a:tcPr anchor="ctr"/>
-                </a:tc>
-                <a:extLst>
-                  <a:ext uri="{0D108BD9-81ED-4DB2-BD59-A6C34878D82A}">
-                    <a16:rowId xmlns:a16="http://schemas.microsoft.com/office/drawing/2014/main" val="1370383652"/>
-                  </a:ext>
-                </a:extLst>
-              </a:tr>
-            </a:tbl>
-          </a:graphicData>
-        </a:graphic>
-      </p:graphicFrame>
-      <p:sp>
-        <p:nvSpPr>
-          <p:cNvPr id="5" name="灯片编号占位符 6"/>
-          <p:cNvSpPr>
-            <a:spLocks noGrp="1"/>
-          </p:cNvSpPr>
-          <p:nvPr>
-            <p:ph type="sldNum" sz="quarter" idx="12"/>
-          </p:nvPr>
-        </p:nvSpPr>
-        <p:spPr>
-          <a:xfrm>
-            <a:off x="10352540" y="295729"/>
-            <a:ext cx="838199" cy="767687"/>
-          </a:xfrm>
-        </p:spPr>
-        <p:txBody>
-          <a:bodyPr/>
-          <a:lstStyle/>
-          <a:p>
-            <a:pPr>
-              <a:defRPr/>
-            </a:pPr>
-            <a:fld id="{F32019EC-443F-4288-9251-0F05AE561AAD}" type="slidenum">
-              <a:rPr lang="zh-CN" altLang="en-US"/>
-              <a:t>10</a:t>
-            </a:fld>
-            <a:endParaRPr lang="en-US" altLang="zh-CN" dirty="0"/>
-          </a:p>
-        </p:txBody>
-      </p:sp>
-    </p:spTree>
-    <p:extLst>
-      <p:ext uri="{BB962C8B-B14F-4D97-AF65-F5344CB8AC3E}">
-        <p14:creationId xmlns:p14="http://schemas.microsoft.com/office/powerpoint/2010/main" val="2710783730"/>
-      </p:ext>
-    </p:extLst>
-  </p:cSld>
-  <p:clrMapOvr>
-    <a:masterClrMapping/>
-  </p:clrMapOvr>
-</p:sld>
-</file>
-
-<file path=ppt/slides/slide11.xml><?xml version="1.0" encoding="utf-8"?>
-<p:sld xmlns:a="http://schemas.openxmlformats.org/drawingml/2006/main" xmlns:r="http://schemas.openxmlformats.org/officeDocument/2006/relationships" xmlns:p="http://schemas.openxmlformats.org/presentationml/2006/main">
-  <p:cSld>
-    <p:spTree>
-      <p:nvGrpSpPr>
-        <p:cNvPr id="1" name=""/>
-        <p:cNvGrpSpPr/>
-        <p:nvPr/>
-      </p:nvGrpSpPr>
-      <p:grpSpPr>
-        <a:xfrm>
-          <a:off x="0" y="0"/>
-          <a:ext cx="0" cy="0"/>
-          <a:chOff x="0" y="0"/>
-          <a:chExt cx="0" cy="0"/>
-        </a:xfrm>
-      </p:grpSpPr>
-      <p:sp>
-        <p:nvSpPr>
-          <p:cNvPr id="2" name="Title 1"/>
-          <p:cNvSpPr>
-            <a:spLocks noGrp="1"/>
-          </p:cNvSpPr>
-          <p:nvPr>
-            <p:ph type="title"/>
-          </p:nvPr>
-        </p:nvSpPr>
-        <p:spPr/>
-        <p:txBody>
-          <a:bodyPr/>
-          <a:lstStyle/>
-          <a:p>
-            <a:r>
-              <a:rPr lang="en-US" dirty="0"/>
-              <a:t>Assessment Criteria</a:t>
-            </a:r>
-          </a:p>
-        </p:txBody>
-      </p:sp>
-      <p:sp>
-        <p:nvSpPr>
-          <p:cNvPr id="3" name="Content Placeholder 2"/>
-          <p:cNvSpPr>
-            <a:spLocks noGrp="1"/>
-          </p:cNvSpPr>
-          <p:nvPr>
-            <p:ph sz="half" idx="1"/>
-          </p:nvPr>
-        </p:nvSpPr>
-        <p:spPr/>
-        <p:txBody>
-          <a:bodyPr/>
-          <a:lstStyle/>
-          <a:p>
-            <a:r>
-              <a:rPr lang="en-US" dirty="0"/>
-              <a:t>Attendance 10%</a:t>
-            </a:r>
-          </a:p>
-          <a:p>
-            <a:r>
-              <a:rPr lang="en-US" dirty="0"/>
-              <a:t>Projects coding 10%</a:t>
-            </a:r>
-          </a:p>
-          <a:p>
-            <a:r>
-              <a:rPr lang="en-US" altLang="zh-CN" dirty="0"/>
-              <a:t>Discussion 10%</a:t>
-            </a:r>
-            <a:endParaRPr lang="en-US" dirty="0"/>
-          </a:p>
-          <a:p>
-            <a:r>
-              <a:rPr lang="en-US" dirty="0"/>
-              <a:t>Final Exam 70%</a:t>
-            </a:r>
-          </a:p>
-          <a:p>
-            <a:endParaRPr lang="en-US" dirty="0"/>
-          </a:p>
-        </p:txBody>
-      </p:sp>
-      <p:graphicFrame>
-        <p:nvGraphicFramePr>
-          <p:cNvPr id="9" name="Content Placeholder 8"/>
-          <p:cNvGraphicFramePr>
-            <a:graphicFrameLocks noGrp="1"/>
-          </p:cNvGraphicFramePr>
-          <p:nvPr>
-            <p:ph sz="half" idx="2"/>
-            <p:extLst>
-              <p:ext uri="{D42A27DB-BD31-4B8C-83A1-F6EECF244321}">
-                <p14:modId xmlns:p14="http://schemas.microsoft.com/office/powerpoint/2010/main" val="1177191106"/>
-              </p:ext>
-            </p:extLst>
-          </p:nvPr>
-        </p:nvGraphicFramePr>
-        <p:xfrm>
-          <a:off x="5654675" y="2055813"/>
-          <a:ext cx="4395788" cy="4200525"/>
-        </p:xfrm>
-        <a:graphic>
-          <a:graphicData uri="http://schemas.openxmlformats.org/drawingml/2006/chart">
-            <c:chart xmlns:c="http://schemas.openxmlformats.org/drawingml/2006/chart" xmlns:r="http://schemas.openxmlformats.org/officeDocument/2006/relationships" r:id="rId2"/>
-          </a:graphicData>
-        </a:graphic>
-      </p:graphicFrame>
-    </p:spTree>
-    <p:extLst>
-      <p:ext uri="{BB962C8B-B14F-4D97-AF65-F5344CB8AC3E}">
-        <p14:creationId xmlns:p14="http://schemas.microsoft.com/office/powerpoint/2010/main" val="11674896"/>
-      </p:ext>
-    </p:extLst>
-  </p:cSld>
-  <p:clrMapOvr>
-    <a:masterClrMapping/>
-  </p:clrMapOvr>
-</p:sld>
-</file>
-
-<file path=ppt/slides/slide12.xml><?xml version="1.0" encoding="utf-8"?>
-<p:sld xmlns:a="http://schemas.openxmlformats.org/drawingml/2006/main" xmlns:r="http://schemas.openxmlformats.org/officeDocument/2006/relationships" xmlns:p="http://schemas.openxmlformats.org/presentationml/2006/main">
-  <p:cSld>
-    <p:spTree>
-      <p:nvGrpSpPr>
-        <p:cNvPr id="1" name=""/>
-        <p:cNvGrpSpPr/>
-        <p:nvPr/>
-      </p:nvGrpSpPr>
-      <p:grpSpPr>
-        <a:xfrm>
-          <a:off x="0" y="0"/>
-          <a:ext cx="0" cy="0"/>
-          <a:chOff x="0" y="0"/>
-          <a:chExt cx="0" cy="0"/>
-        </a:xfrm>
-      </p:grpSpPr>
-      <p:sp>
-        <p:nvSpPr>
-          <p:cNvPr id="2" name="Title 1"/>
-          <p:cNvSpPr>
-            <a:spLocks noGrp="1"/>
-          </p:cNvSpPr>
-          <p:nvPr>
-            <p:ph type="title"/>
-          </p:nvPr>
-        </p:nvSpPr>
-        <p:spPr/>
-        <p:txBody>
-          <a:bodyPr/>
-          <a:lstStyle/>
-          <a:p>
-            <a:r>
-              <a:rPr lang="en-US" dirty="0"/>
-              <a:t>Resources</a:t>
-            </a:r>
-          </a:p>
-        </p:txBody>
-      </p:sp>
-      <p:graphicFrame>
-        <p:nvGraphicFramePr>
-          <p:cNvPr id="4" name="Content Placeholder 3"/>
-          <p:cNvGraphicFramePr>
-            <a:graphicFrameLocks noGrp="1"/>
-          </p:cNvGraphicFramePr>
-          <p:nvPr>
-            <p:ph idx="1"/>
-            <p:extLst>
-              <p:ext uri="{D42A27DB-BD31-4B8C-83A1-F6EECF244321}">
-                <p14:modId xmlns:p14="http://schemas.microsoft.com/office/powerpoint/2010/main" val="3944411710"/>
+                <p14:modId xmlns:p14="http://schemas.microsoft.com/office/powerpoint/2010/main" val="1802623950"/>
               </p:ext>
             </p:extLst>
           </p:nvPr>
@@ -20141,7 +18476,7 @@
 </p:sld>
 </file>
 
-<file path=ppt/slides/slide13.xml><?xml version="1.0" encoding="utf-8"?>
+<file path=ppt/slides/slide11.xml><?xml version="1.0" encoding="utf-8"?>
 <p:sld xmlns:a="http://schemas.openxmlformats.org/drawingml/2006/main" xmlns:r="http://schemas.openxmlformats.org/officeDocument/2006/relationships" xmlns:p="http://schemas.openxmlformats.org/presentationml/2006/main">
   <p:cSld>
     <p:spTree>
@@ -20227,7 +18562,7 @@
         <p:spPr>
           <a:xfrm>
             <a:off x="2828109" y="5270863"/>
-            <a:ext cx="4500154" cy="646331"/>
+            <a:ext cx="4500154" cy="369332"/>
           </a:xfrm>
           <a:prstGeom prst="rect">
             <a:avLst/>
@@ -20250,40 +18585,6 @@
                 <a:ea typeface="微软雅黑" panose="020B0503020204020204" pitchFamily="34" charset="-122"/>
               </a:rPr>
               <a:t>选课代表</a:t>
-            </a:r>
-          </a:p>
-          <a:p>
-            <a:pPr marL="285750" indent="-285750">
-              <a:buFont typeface="Wingdings" panose="05000000000000000000" pitchFamily="2" charset="2"/>
-              <a:buChar char="p"/>
-            </a:pPr>
-            <a:r>
-              <a:rPr lang="zh-CN" altLang="en-US" dirty="0">
-                <a:latin typeface="微软雅黑" panose="020B0503020204020204" pitchFamily="34" charset="-122"/>
-                <a:ea typeface="微软雅黑" panose="020B0503020204020204" pitchFamily="34" charset="-122"/>
-              </a:rPr>
-              <a:t>课代表成为 </a:t>
-            </a:r>
-            <a:r>
-              <a:rPr lang="en-US" altLang="zh-CN" dirty="0" err="1">
-                <a:latin typeface="微软雅黑" panose="020B0503020204020204" pitchFamily="34" charset="-122"/>
-                <a:ea typeface="微软雅黑" panose="020B0503020204020204" pitchFamily="34" charset="-122"/>
-              </a:rPr>
-              <a:t>gitee</a:t>
-            </a:r>
-            <a:r>
-              <a:rPr lang="en-US" altLang="zh-CN" dirty="0">
-                <a:latin typeface="微软雅黑" panose="020B0503020204020204" pitchFamily="34" charset="-122"/>
-                <a:ea typeface="微软雅黑" panose="020B0503020204020204" pitchFamily="34" charset="-122"/>
-              </a:rPr>
-              <a:t> </a:t>
-            </a:r>
-            <a:r>
-              <a:rPr lang="zh-CN" altLang="en-US" dirty="0">
-                <a:latin typeface="微软雅黑" panose="020B0503020204020204" pitchFamily="34" charset="-122"/>
-                <a:ea typeface="微软雅黑" panose="020B0503020204020204" pitchFamily="34" charset="-122"/>
-              </a:rPr>
-              <a:t>课程仓库管理员</a:t>
             </a:r>
           </a:p>
         </p:txBody>
@@ -20597,7 +18898,7 @@
           <a:graphicData uri="http://schemas.openxmlformats.org/presentationml/2006/ole">
             <mc:AlternateContent xmlns:mc="http://schemas.openxmlformats.org/markup-compatibility/2006">
               <mc:Choice xmlns:v="urn:schemas-microsoft-com:vml" Requires="v">
-                <p:oleObj spid="_x0000_s1100" r:id="rId3" imgW="3790950" imgH="2914650" progId="">
+                <p:oleObj spid="_x0000_s1104" r:id="rId3" imgW="3790950" imgH="2914650" progId="">
                   <p:embed/>
                 </p:oleObj>
               </mc:Choice>
@@ -20986,7 +19287,7 @@
             </a:pPr>
             <a:r>
               <a:rPr lang="en-US" dirty="0"/>
-              <a:t>Friday 11-13: Building One, Room 304, course 20201021076</a:t>
+              <a:t>Friday 11-13: Building One, Room 612, course 20201021076</a:t>
             </a:r>
           </a:p>
           <a:p>
@@ -21691,936 +19992,6 @@
       </p:grpSpPr>
       <p:sp>
         <p:nvSpPr>
-          <p:cNvPr id="2" name="Title 1"/>
-          <p:cNvSpPr>
-            <a:spLocks noGrp="1"/>
-          </p:cNvSpPr>
-          <p:nvPr>
-            <p:ph type="title"/>
-          </p:nvPr>
-        </p:nvSpPr>
-        <p:spPr/>
-        <p:txBody>
-          <a:bodyPr/>
-          <a:lstStyle/>
-          <a:p>
-            <a:r>
-              <a:rPr lang="en-US" dirty="0"/>
-              <a:t>Course Objectives</a:t>
-            </a:r>
-          </a:p>
-        </p:txBody>
-      </p:sp>
-      <p:graphicFrame>
-        <p:nvGraphicFramePr>
-          <p:cNvPr id="6" name="Content Placeholder 3"/>
-          <p:cNvGraphicFramePr>
-            <a:graphicFrameLocks noGrp="1"/>
-          </p:cNvGraphicFramePr>
-          <p:nvPr>
-            <p:ph idx="1"/>
-            <p:extLst>
-              <p:ext uri="{D42A27DB-BD31-4B8C-83A1-F6EECF244321}">
-                <p14:modId xmlns:p14="http://schemas.microsoft.com/office/powerpoint/2010/main" val="1161522761"/>
-              </p:ext>
-            </p:extLst>
-          </p:nvPr>
-        </p:nvGraphicFramePr>
-        <p:xfrm>
-          <a:off x="973670" y="2323569"/>
-          <a:ext cx="10100733" cy="3650838"/>
-        </p:xfrm>
-        <a:graphic>
-          <a:graphicData uri="http://schemas.openxmlformats.org/drawingml/2006/table">
-            <a:tbl>
-              <a:tblPr firstRow="1" bandRow="1">
-                <a:tableStyleId>{5C22544A-7EE6-4342-B048-85BDC9FD1C3A}</a:tableStyleId>
-              </a:tblPr>
-              <a:tblGrid>
-                <a:gridCol w="3366911">
-                  <a:extLst>
-                    <a:ext uri="{9D8B030D-6E8A-4147-A177-3AD203B41FA5}">
-                      <a16:colId xmlns:a16="http://schemas.microsoft.com/office/drawing/2014/main" val="20000"/>
-                    </a:ext>
-                  </a:extLst>
-                </a:gridCol>
-                <a:gridCol w="3366911">
-                  <a:extLst>
-                    <a:ext uri="{9D8B030D-6E8A-4147-A177-3AD203B41FA5}">
-                      <a16:colId xmlns:a16="http://schemas.microsoft.com/office/drawing/2014/main" val="20001"/>
-                    </a:ext>
-                  </a:extLst>
-                </a:gridCol>
-                <a:gridCol w="3366911">
-                  <a:extLst>
-                    <a:ext uri="{9D8B030D-6E8A-4147-A177-3AD203B41FA5}">
-                      <a16:colId xmlns:a16="http://schemas.microsoft.com/office/drawing/2014/main" val="20002"/>
-                    </a:ext>
-                  </a:extLst>
-                </a:gridCol>
-              </a:tblGrid>
-              <a:tr h="576866">
-                <a:tc>
-                  <a:txBody>
-                    <a:bodyPr/>
-                    <a:lstStyle/>
-                    <a:p>
-                      <a:r>
-                        <a:rPr lang="en-US" dirty="0"/>
-                        <a:t>Course Objectives</a:t>
-                      </a:r>
-                    </a:p>
-                  </a:txBody>
-                  <a:tcPr anchor="ctr"/>
-                </a:tc>
-                <a:tc>
-                  <a:txBody>
-                    <a:bodyPr/>
-                    <a:lstStyle/>
-                    <a:p>
-                      <a:r>
-                        <a:rPr lang="en-US" dirty="0"/>
-                        <a:t>Results/Outcome</a:t>
-                      </a:r>
-                      <a:r>
-                        <a:rPr lang="en-US" baseline="0" dirty="0"/>
-                        <a:t> Expected</a:t>
-                      </a:r>
-                      <a:endParaRPr lang="en-US" dirty="0"/>
-                    </a:p>
-                  </a:txBody>
-                  <a:tcPr anchor="ctr"/>
-                </a:tc>
-                <a:tc>
-                  <a:txBody>
-                    <a:bodyPr/>
-                    <a:lstStyle/>
-                    <a:p>
-                      <a:r>
-                        <a:rPr lang="en-US"/>
-                        <a:t>Skills Developed</a:t>
-                      </a:r>
-                      <a:endParaRPr lang="en-US" dirty="0"/>
-                    </a:p>
-                  </a:txBody>
-                  <a:tcPr anchor="ctr"/>
-                </a:tc>
-                <a:extLst>
-                  <a:ext uri="{0D108BD9-81ED-4DB2-BD59-A6C34878D82A}">
-                    <a16:rowId xmlns:a16="http://schemas.microsoft.com/office/drawing/2014/main" val="10000"/>
-                  </a:ext>
-                </a:extLst>
-              </a:tr>
-              <a:tr h="576866">
-                <a:tc>
-                  <a:txBody>
-                    <a:bodyPr/>
-                    <a:lstStyle/>
-                    <a:p>
-                      <a:r>
-                        <a:rPr lang="zh-CN" altLang="en-US" dirty="0">
-                          <a:solidFill>
-                            <a:srgbClr val="002060"/>
-                          </a:solidFill>
-                          <a:latin typeface="微软雅黑" panose="020B0503020204020204" pitchFamily="34" charset="-122"/>
-                          <a:ea typeface="微软雅黑" panose="020B0503020204020204" pitchFamily="34" charset="-122"/>
-                        </a:rPr>
-                        <a:t>提高</a:t>
-                      </a:r>
-                      <a:r>
-                        <a:rPr lang="en-US" altLang="zh-CN" dirty="0">
-                          <a:solidFill>
-                            <a:srgbClr val="002060"/>
-                          </a:solidFill>
-                          <a:latin typeface="微软雅黑" panose="020B0503020204020204" pitchFamily="34" charset="-122"/>
-                          <a:ea typeface="微软雅黑" panose="020B0503020204020204" pitchFamily="34" charset="-122"/>
-                        </a:rPr>
-                        <a:t>Windows</a:t>
-                      </a:r>
-                      <a:r>
-                        <a:rPr lang="zh-CN" altLang="en-US" dirty="0">
-                          <a:solidFill>
-                            <a:srgbClr val="002060"/>
-                          </a:solidFill>
-                          <a:latin typeface="微软雅黑" panose="020B0503020204020204" pitchFamily="34" charset="-122"/>
-                          <a:ea typeface="微软雅黑" panose="020B0503020204020204" pitchFamily="34" charset="-122"/>
-                        </a:rPr>
-                        <a:t>编程实战能力</a:t>
-                      </a:r>
-                      <a:endParaRPr lang="en-US" dirty="0">
-                        <a:solidFill>
-                          <a:srgbClr val="002060"/>
-                        </a:solidFill>
-                        <a:latin typeface="微软雅黑" panose="020B0503020204020204" pitchFamily="34" charset="-122"/>
-                        <a:ea typeface="微软雅黑" panose="020B0503020204020204" pitchFamily="34" charset="-122"/>
-                      </a:endParaRPr>
-                    </a:p>
-                  </a:txBody>
-                  <a:tcPr anchor="ctr"/>
-                </a:tc>
-                <a:tc>
-                  <a:txBody>
-                    <a:bodyPr/>
-                    <a:lstStyle/>
-                    <a:p>
-                      <a:r>
-                        <a:rPr lang="zh-CN" altLang="en-US" dirty="0">
-                          <a:solidFill>
-                            <a:srgbClr val="002060"/>
-                          </a:solidFill>
-                          <a:latin typeface="微软雅黑" panose="020B0503020204020204" pitchFamily="34" charset="-122"/>
-                          <a:ea typeface="微软雅黑" panose="020B0503020204020204" pitchFamily="34" charset="-122"/>
-                        </a:rPr>
-                        <a:t>熟练综合使用各种工具、语言</a:t>
-                      </a:r>
-                      <a:endParaRPr lang="en-US" dirty="0">
-                        <a:solidFill>
-                          <a:srgbClr val="002060"/>
-                        </a:solidFill>
-                        <a:latin typeface="微软雅黑" panose="020B0503020204020204" pitchFamily="34" charset="-122"/>
-                        <a:ea typeface="微软雅黑" panose="020B0503020204020204" pitchFamily="34" charset="-122"/>
-                      </a:endParaRPr>
-                    </a:p>
-                  </a:txBody>
-                  <a:tcPr anchor="ctr"/>
-                </a:tc>
-                <a:tc>
-                  <a:txBody>
-                    <a:bodyPr/>
-                    <a:lstStyle/>
-                    <a:p>
-                      <a:r>
-                        <a:rPr lang="en-US" altLang="zh-CN" dirty="0">
-                          <a:solidFill>
-                            <a:srgbClr val="002060"/>
-                          </a:solidFill>
-                          <a:latin typeface="微软雅黑" panose="020B0503020204020204" pitchFamily="34" charset="-122"/>
-                          <a:ea typeface="微软雅黑" panose="020B0503020204020204" pitchFamily="34" charset="-122"/>
-                        </a:rPr>
-                        <a:t>Coding skills</a:t>
-                      </a:r>
-                      <a:endParaRPr lang="en-US" dirty="0">
-                        <a:solidFill>
-                          <a:srgbClr val="002060"/>
-                        </a:solidFill>
-                        <a:latin typeface="微软雅黑" panose="020B0503020204020204" pitchFamily="34" charset="-122"/>
-                        <a:ea typeface="微软雅黑" panose="020B0503020204020204" pitchFamily="34" charset="-122"/>
-                      </a:endParaRPr>
-                    </a:p>
-                  </a:txBody>
-                  <a:tcPr anchor="ctr"/>
-                </a:tc>
-                <a:extLst>
-                  <a:ext uri="{0D108BD9-81ED-4DB2-BD59-A6C34878D82A}">
-                    <a16:rowId xmlns:a16="http://schemas.microsoft.com/office/drawing/2014/main" val="10001"/>
-                  </a:ext>
-                </a:extLst>
-              </a:tr>
-              <a:tr h="576866">
-                <a:tc>
-                  <a:txBody>
-                    <a:bodyPr/>
-                    <a:lstStyle/>
-                    <a:p>
-                      <a:r>
-                        <a:rPr lang="zh-CN" altLang="en-US" dirty="0">
-                          <a:solidFill>
-                            <a:srgbClr val="002060"/>
-                          </a:solidFill>
-                          <a:latin typeface="微软雅黑" panose="020B0503020204020204" pitchFamily="34" charset="-122"/>
-                          <a:ea typeface="微软雅黑" panose="020B0503020204020204" pitchFamily="34" charset="-122"/>
-                        </a:rPr>
-                        <a:t>理解</a:t>
-                      </a:r>
-                      <a:r>
-                        <a:rPr lang="en-US" dirty="0">
-                          <a:solidFill>
-                            <a:srgbClr val="002060"/>
-                          </a:solidFill>
-                          <a:latin typeface="微软雅黑" panose="020B0503020204020204" pitchFamily="34" charset="-122"/>
-                          <a:ea typeface="微软雅黑" panose="020B0503020204020204" pitchFamily="34" charset="-122"/>
-                        </a:rPr>
-                        <a:t>Windows</a:t>
-                      </a:r>
-                      <a:r>
-                        <a:rPr lang="zh-CN" altLang="en-US" dirty="0">
-                          <a:solidFill>
-                            <a:srgbClr val="002060"/>
-                          </a:solidFill>
-                          <a:latin typeface="微软雅黑" panose="020B0503020204020204" pitchFamily="34" charset="-122"/>
-                          <a:ea typeface="微软雅黑" panose="020B0503020204020204" pitchFamily="34" charset="-122"/>
-                        </a:rPr>
-                        <a:t>程序并发、同步等概念</a:t>
-                      </a:r>
-                      <a:endParaRPr lang="en-US" dirty="0">
-                        <a:solidFill>
-                          <a:srgbClr val="002060"/>
-                        </a:solidFill>
-                        <a:latin typeface="微软雅黑" panose="020B0503020204020204" pitchFamily="34" charset="-122"/>
-                        <a:ea typeface="微软雅黑" panose="020B0503020204020204" pitchFamily="34" charset="-122"/>
-                      </a:endParaRPr>
-                    </a:p>
-                  </a:txBody>
-                  <a:tcPr anchor="ctr"/>
-                </a:tc>
-                <a:tc>
-                  <a:txBody>
-                    <a:bodyPr/>
-                    <a:lstStyle/>
-                    <a:p>
-                      <a:pPr marL="0" marR="0" lvl="0" indent="0" algn="l" defTabSz="457200" rtl="0" eaLnBrk="1" fontAlgn="auto" latinLnBrk="0" hangingPunct="1">
-                        <a:lnSpc>
-                          <a:spcPct val="100000"/>
-                        </a:lnSpc>
-                        <a:spcBef>
-                          <a:spcPts val="0"/>
-                        </a:spcBef>
-                        <a:spcAft>
-                          <a:spcPts val="0"/>
-                        </a:spcAft>
-                        <a:buClrTx/>
-                        <a:buSzTx/>
-                        <a:buFontTx/>
-                        <a:buNone/>
-                        <a:tabLst/>
-                        <a:defRPr/>
-                      </a:pPr>
-                      <a:r>
-                        <a:rPr lang="zh-CN" altLang="en-US" dirty="0">
-                          <a:solidFill>
-                            <a:srgbClr val="002060"/>
-                          </a:solidFill>
-                          <a:latin typeface="微软雅黑" panose="020B0503020204020204" pitchFamily="34" charset="-122"/>
-                          <a:ea typeface="微软雅黑" panose="020B0503020204020204" pitchFamily="34" charset="-122"/>
-                        </a:rPr>
-                        <a:t>熟练的多线程编程技巧</a:t>
-                      </a:r>
-                      <a:endParaRPr lang="en-US" altLang="zh-CN" dirty="0">
-                        <a:solidFill>
-                          <a:srgbClr val="002060"/>
-                        </a:solidFill>
-                        <a:latin typeface="微软雅黑" panose="020B0503020204020204" pitchFamily="34" charset="-122"/>
-                        <a:ea typeface="微软雅黑" panose="020B0503020204020204" pitchFamily="34" charset="-122"/>
-                      </a:endParaRPr>
-                    </a:p>
-                    <a:p>
-                      <a:pPr marL="0" marR="0" indent="0" algn="l" defTabSz="457200" rtl="0" eaLnBrk="1" fontAlgn="auto" latinLnBrk="0" hangingPunct="1">
-                        <a:lnSpc>
-                          <a:spcPct val="100000"/>
-                        </a:lnSpc>
-                        <a:spcBef>
-                          <a:spcPts val="0"/>
-                        </a:spcBef>
-                        <a:spcAft>
-                          <a:spcPts val="0"/>
-                        </a:spcAft>
-                        <a:buClrTx/>
-                        <a:buSzTx/>
-                        <a:buFontTx/>
-                        <a:buNone/>
-                        <a:tabLst/>
-                        <a:defRPr/>
-                      </a:pPr>
-                      <a:endParaRPr lang="en-US" dirty="0">
-                        <a:solidFill>
-                          <a:srgbClr val="002060"/>
-                        </a:solidFill>
-                        <a:latin typeface="微软雅黑" panose="020B0503020204020204" pitchFamily="34" charset="-122"/>
-                        <a:ea typeface="微软雅黑" panose="020B0503020204020204" pitchFamily="34" charset="-122"/>
-                      </a:endParaRPr>
-                    </a:p>
-                  </a:txBody>
-                  <a:tcPr anchor="ctr"/>
-                </a:tc>
-                <a:tc>
-                  <a:txBody>
-                    <a:bodyPr/>
-                    <a:lstStyle/>
-                    <a:p>
-                      <a:r>
-                        <a:rPr lang="zh-CN" altLang="en-US" dirty="0">
-                          <a:solidFill>
-                            <a:srgbClr val="002060"/>
-                          </a:solidFill>
-                          <a:latin typeface="微软雅黑" panose="020B0503020204020204" pitchFamily="34" charset="-122"/>
-                          <a:ea typeface="微软雅黑" panose="020B0503020204020204" pitchFamily="34" charset="-122"/>
-                        </a:rPr>
-                        <a:t>线程管理、关键资源管理</a:t>
-                      </a:r>
-                      <a:endParaRPr lang="en-US" dirty="0">
-                        <a:solidFill>
-                          <a:srgbClr val="002060"/>
-                        </a:solidFill>
-                        <a:latin typeface="微软雅黑" panose="020B0503020204020204" pitchFamily="34" charset="-122"/>
-                        <a:ea typeface="微软雅黑" panose="020B0503020204020204" pitchFamily="34" charset="-122"/>
-                      </a:endParaRPr>
-                    </a:p>
-                  </a:txBody>
-                  <a:tcPr anchor="ctr"/>
-                </a:tc>
-                <a:extLst>
-                  <a:ext uri="{0D108BD9-81ED-4DB2-BD59-A6C34878D82A}">
-                    <a16:rowId xmlns:a16="http://schemas.microsoft.com/office/drawing/2014/main" val="10002"/>
-                  </a:ext>
-                </a:extLst>
-              </a:tr>
-              <a:tr h="576866">
-                <a:tc>
-                  <a:txBody>
-                    <a:bodyPr/>
-                    <a:lstStyle/>
-                    <a:p>
-                      <a:r>
-                        <a:rPr lang="zh-CN" altLang="en-US" dirty="0">
-                          <a:solidFill>
-                            <a:srgbClr val="002060"/>
-                          </a:solidFill>
-                          <a:latin typeface="微软雅黑" panose="020B0503020204020204" pitchFamily="34" charset="-122"/>
-                          <a:ea typeface="微软雅黑" panose="020B0503020204020204" pitchFamily="34" charset="-122"/>
-                        </a:rPr>
-                        <a:t>掌握</a:t>
-                      </a:r>
-                      <a:r>
-                        <a:rPr lang="en-US" altLang="zh-CN" dirty="0">
-                          <a:solidFill>
-                            <a:srgbClr val="002060"/>
-                          </a:solidFill>
-                          <a:latin typeface="微软雅黑" panose="020B0503020204020204" pitchFamily="34" charset="-122"/>
-                          <a:ea typeface="微软雅黑" panose="020B0503020204020204" pitchFamily="34" charset="-122"/>
-                        </a:rPr>
-                        <a:t>Windows</a:t>
-                      </a:r>
-                      <a:r>
-                        <a:rPr lang="zh-CN" altLang="en-US" dirty="0">
-                          <a:solidFill>
-                            <a:srgbClr val="002060"/>
-                          </a:solidFill>
-                          <a:latin typeface="微软雅黑" panose="020B0503020204020204" pitchFamily="34" charset="-122"/>
-                          <a:ea typeface="微软雅黑" panose="020B0503020204020204" pitchFamily="34" charset="-122"/>
-                        </a:rPr>
-                        <a:t>平台中不同应用程序类型的基本开发技术</a:t>
-                      </a:r>
-                      <a:endParaRPr lang="en-US" dirty="0">
-                        <a:solidFill>
-                          <a:srgbClr val="002060"/>
-                        </a:solidFill>
-                        <a:latin typeface="微软雅黑" panose="020B0503020204020204" pitchFamily="34" charset="-122"/>
-                        <a:ea typeface="微软雅黑" panose="020B0503020204020204" pitchFamily="34" charset="-122"/>
-                      </a:endParaRPr>
-                    </a:p>
-                  </a:txBody>
-                  <a:tcPr anchor="ctr"/>
-                </a:tc>
-                <a:tc>
-                  <a:txBody>
-                    <a:bodyPr/>
-                    <a:lstStyle/>
-                    <a:p>
-                      <a:pPr marL="0" marR="0" indent="0" algn="l" defTabSz="457200" rtl="0" eaLnBrk="1" fontAlgn="auto" latinLnBrk="0" hangingPunct="1">
-                        <a:lnSpc>
-                          <a:spcPct val="100000"/>
-                        </a:lnSpc>
-                        <a:spcBef>
-                          <a:spcPts val="0"/>
-                        </a:spcBef>
-                        <a:spcAft>
-                          <a:spcPts val="0"/>
-                        </a:spcAft>
-                        <a:buClrTx/>
-                        <a:buSzTx/>
-                        <a:buFontTx/>
-                        <a:buNone/>
-                        <a:tabLst/>
-                        <a:defRPr/>
-                      </a:pPr>
-                      <a:r>
-                        <a:rPr lang="en-US" dirty="0">
-                          <a:solidFill>
-                            <a:srgbClr val="002060"/>
-                          </a:solidFill>
-                          <a:latin typeface="微软雅黑" panose="020B0503020204020204" pitchFamily="34" charset="-122"/>
-                          <a:ea typeface="微软雅黑" panose="020B0503020204020204" pitchFamily="34" charset="-122"/>
-                        </a:rPr>
-                        <a:t>UWP</a:t>
-                      </a:r>
-                      <a:r>
-                        <a:rPr lang="zh-CN" altLang="en-US" dirty="0">
-                          <a:solidFill>
-                            <a:srgbClr val="002060"/>
-                          </a:solidFill>
-                          <a:latin typeface="微软雅黑" panose="020B0503020204020204" pitchFamily="34" charset="-122"/>
-                          <a:ea typeface="微软雅黑" panose="020B0503020204020204" pitchFamily="34" charset="-122"/>
-                        </a:rPr>
-                        <a:t>，</a:t>
-                      </a:r>
-                      <a:r>
-                        <a:rPr lang="en-US" altLang="zh-CN" dirty="0">
-                          <a:solidFill>
-                            <a:srgbClr val="002060"/>
-                          </a:solidFill>
-                          <a:latin typeface="微软雅黑" panose="020B0503020204020204" pitchFamily="34" charset="-122"/>
-                          <a:ea typeface="微软雅黑" panose="020B0503020204020204" pitchFamily="34" charset="-122"/>
-                        </a:rPr>
-                        <a:t>fluent, ……</a:t>
-                      </a:r>
-                      <a:endParaRPr lang="en-US" dirty="0">
-                        <a:solidFill>
-                          <a:srgbClr val="002060"/>
-                        </a:solidFill>
-                        <a:latin typeface="微软雅黑" panose="020B0503020204020204" pitchFamily="34" charset="-122"/>
-                        <a:ea typeface="微软雅黑" panose="020B0503020204020204" pitchFamily="34" charset="-122"/>
-                      </a:endParaRPr>
-                    </a:p>
-                  </a:txBody>
-                  <a:tcPr anchor="ctr"/>
-                </a:tc>
-                <a:tc>
-                  <a:txBody>
-                    <a:bodyPr/>
-                    <a:lstStyle/>
-                    <a:p>
-                      <a:r>
-                        <a:rPr lang="en-US" dirty="0">
-                          <a:solidFill>
-                            <a:srgbClr val="002060"/>
-                          </a:solidFill>
-                          <a:latin typeface="微软雅黑" panose="020B0503020204020204" pitchFamily="34" charset="-122"/>
-                          <a:ea typeface="微软雅黑" panose="020B0503020204020204" pitchFamily="34" charset="-122"/>
-                        </a:rPr>
-                        <a:t>C++/</a:t>
-                      </a:r>
-                      <a:r>
-                        <a:rPr lang="en-US" dirty="0" err="1">
-                          <a:solidFill>
-                            <a:srgbClr val="002060"/>
-                          </a:solidFill>
-                          <a:latin typeface="微软雅黑" panose="020B0503020204020204" pitchFamily="34" charset="-122"/>
-                          <a:ea typeface="微软雅黑" panose="020B0503020204020204" pitchFamily="34" charset="-122"/>
-                        </a:rPr>
-                        <a:t>WinRT</a:t>
-                      </a:r>
-                      <a:endParaRPr lang="en-US" dirty="0">
-                        <a:solidFill>
-                          <a:srgbClr val="002060"/>
-                        </a:solidFill>
-                        <a:latin typeface="微软雅黑" panose="020B0503020204020204" pitchFamily="34" charset="-122"/>
-                        <a:ea typeface="微软雅黑" panose="020B0503020204020204" pitchFamily="34" charset="-122"/>
-                      </a:endParaRPr>
-                    </a:p>
-                  </a:txBody>
-                  <a:tcPr anchor="ctr"/>
-                </a:tc>
-                <a:extLst>
-                  <a:ext uri="{0D108BD9-81ED-4DB2-BD59-A6C34878D82A}">
-                    <a16:rowId xmlns:a16="http://schemas.microsoft.com/office/drawing/2014/main" val="10003"/>
-                  </a:ext>
-                </a:extLst>
-              </a:tr>
-              <a:tr h="576866">
-                <a:tc>
-                  <a:txBody>
-                    <a:bodyPr/>
-                    <a:lstStyle/>
-                    <a:p>
-                      <a:r>
-                        <a:rPr lang="zh-CN" altLang="en-US" dirty="0">
-                          <a:solidFill>
-                            <a:srgbClr val="002060"/>
-                          </a:solidFill>
-                          <a:latin typeface="微软雅黑" panose="020B0503020204020204" pitchFamily="34" charset="-122"/>
-                          <a:ea typeface="微软雅黑" panose="020B0503020204020204" pitchFamily="34" charset="-122"/>
-                        </a:rPr>
-                        <a:t>培养大型软件工程项目的规划、项目管理与开发能力</a:t>
-                      </a:r>
-                      <a:endParaRPr lang="en-US" dirty="0">
-                        <a:solidFill>
-                          <a:srgbClr val="002060"/>
-                        </a:solidFill>
-                        <a:latin typeface="微软雅黑" panose="020B0503020204020204" pitchFamily="34" charset="-122"/>
-                        <a:ea typeface="微软雅黑" panose="020B0503020204020204" pitchFamily="34" charset="-122"/>
-                      </a:endParaRPr>
-                    </a:p>
-                  </a:txBody>
-                  <a:tcPr anchor="ctr"/>
-                </a:tc>
-                <a:tc>
-                  <a:txBody>
-                    <a:bodyPr/>
-                    <a:lstStyle/>
-                    <a:p>
-                      <a:pPr marL="0" marR="0" indent="0" algn="l" defTabSz="457200" rtl="0" eaLnBrk="1" fontAlgn="auto" latinLnBrk="0" hangingPunct="1">
-                        <a:lnSpc>
-                          <a:spcPct val="100000"/>
-                        </a:lnSpc>
-                        <a:spcBef>
-                          <a:spcPts val="0"/>
-                        </a:spcBef>
-                        <a:spcAft>
-                          <a:spcPts val="0"/>
-                        </a:spcAft>
-                        <a:buClrTx/>
-                        <a:buSzTx/>
-                        <a:buFontTx/>
-                        <a:buNone/>
-                        <a:tabLst/>
-                        <a:defRPr/>
-                      </a:pPr>
-                      <a:r>
-                        <a:rPr lang="en-US" dirty="0">
-                          <a:solidFill>
-                            <a:srgbClr val="002060"/>
-                          </a:solidFill>
-                          <a:latin typeface="微软雅黑" panose="020B0503020204020204" pitchFamily="34" charset="-122"/>
-                          <a:ea typeface="微软雅黑" panose="020B0503020204020204" pitchFamily="34" charset="-122"/>
-                        </a:rPr>
-                        <a:t>Project,</a:t>
-                      </a:r>
-                      <a:r>
-                        <a:rPr lang="en-US" baseline="0" dirty="0">
-                          <a:solidFill>
-                            <a:srgbClr val="002060"/>
-                          </a:solidFill>
-                          <a:latin typeface="微软雅黑" panose="020B0503020204020204" pitchFamily="34" charset="-122"/>
-                          <a:ea typeface="微软雅黑" panose="020B0503020204020204" pitchFamily="34" charset="-122"/>
-                        </a:rPr>
-                        <a:t> GitHub, installer, …</a:t>
-                      </a:r>
-                      <a:endParaRPr lang="en-US" dirty="0">
-                        <a:solidFill>
-                          <a:srgbClr val="002060"/>
-                        </a:solidFill>
-                        <a:latin typeface="微软雅黑" panose="020B0503020204020204" pitchFamily="34" charset="-122"/>
-                        <a:ea typeface="微软雅黑" panose="020B0503020204020204" pitchFamily="34" charset="-122"/>
-                      </a:endParaRPr>
-                    </a:p>
-                  </a:txBody>
-                  <a:tcPr anchor="ctr"/>
-                </a:tc>
-                <a:tc>
-                  <a:txBody>
-                    <a:bodyPr/>
-                    <a:lstStyle/>
-                    <a:p>
-                      <a:r>
-                        <a:rPr lang="en-US" altLang="zh-CN" dirty="0">
-                          <a:solidFill>
-                            <a:srgbClr val="002060"/>
-                          </a:solidFill>
-                          <a:latin typeface="微软雅黑" panose="020B0503020204020204" pitchFamily="34" charset="-122"/>
-                          <a:ea typeface="微软雅黑" panose="020B0503020204020204" pitchFamily="34" charset="-122"/>
-                        </a:rPr>
-                        <a:t>DevOps, CI/CD</a:t>
-                      </a:r>
-                      <a:endParaRPr lang="en-US" dirty="0">
-                        <a:solidFill>
-                          <a:srgbClr val="002060"/>
-                        </a:solidFill>
-                        <a:latin typeface="微软雅黑" panose="020B0503020204020204" pitchFamily="34" charset="-122"/>
-                        <a:ea typeface="微软雅黑" panose="020B0503020204020204" pitchFamily="34" charset="-122"/>
-                      </a:endParaRPr>
-                    </a:p>
-                  </a:txBody>
-                  <a:tcPr anchor="ctr"/>
-                </a:tc>
-                <a:extLst>
-                  <a:ext uri="{0D108BD9-81ED-4DB2-BD59-A6C34878D82A}">
-                    <a16:rowId xmlns:a16="http://schemas.microsoft.com/office/drawing/2014/main" val="10004"/>
-                  </a:ext>
-                </a:extLst>
-              </a:tr>
-              <a:tr h="576866">
-                <a:tc>
-                  <a:txBody>
-                    <a:bodyPr/>
-                    <a:lstStyle/>
-                    <a:p>
-                      <a:r>
-                        <a:rPr lang="en-US" dirty="0">
-                          <a:solidFill>
-                            <a:srgbClr val="002060"/>
-                          </a:solidFill>
-                          <a:latin typeface="微软雅黑" panose="020B0503020204020204" pitchFamily="34" charset="-122"/>
-                          <a:ea typeface="微软雅黑" panose="020B0503020204020204" pitchFamily="34" charset="-122"/>
-                        </a:rPr>
-                        <a:t>… how to … when to … ?</a:t>
-                      </a:r>
-                    </a:p>
-                  </a:txBody>
-                  <a:tcPr anchor="ctr"/>
-                </a:tc>
-                <a:tc>
-                  <a:txBody>
-                    <a:bodyPr/>
-                    <a:lstStyle/>
-                    <a:p>
-                      <a:pPr marL="0" marR="0" indent="0" algn="l" defTabSz="457200" rtl="0" eaLnBrk="1" fontAlgn="auto" latinLnBrk="0" hangingPunct="1">
-                        <a:lnSpc>
-                          <a:spcPct val="100000"/>
-                        </a:lnSpc>
-                        <a:spcBef>
-                          <a:spcPts val="0"/>
-                        </a:spcBef>
-                        <a:spcAft>
-                          <a:spcPts val="0"/>
-                        </a:spcAft>
-                        <a:buClrTx/>
-                        <a:buSzTx/>
-                        <a:buFontTx/>
-                        <a:buNone/>
-                        <a:tabLst/>
-                        <a:defRPr/>
-                      </a:pPr>
-                      <a:r>
-                        <a:rPr lang="zh-CN" altLang="en-US" dirty="0">
-                          <a:solidFill>
-                            <a:srgbClr val="002060"/>
-                          </a:solidFill>
-                          <a:latin typeface="微软雅黑" panose="020B0503020204020204" pitchFamily="34" charset="-122"/>
-                          <a:ea typeface="微软雅黑" panose="020B0503020204020204" pitchFamily="34" charset="-122"/>
-                        </a:rPr>
-                        <a:t>全栈开发能力</a:t>
-                      </a:r>
-                      <a:r>
-                        <a:rPr lang="en-US" altLang="zh-CN" dirty="0">
-                          <a:solidFill>
-                            <a:srgbClr val="002060"/>
-                          </a:solidFill>
-                          <a:latin typeface="微软雅黑" panose="020B0503020204020204" pitchFamily="34" charset="-122"/>
-                          <a:ea typeface="微软雅黑" panose="020B0503020204020204" pitchFamily="34" charset="-122"/>
-                        </a:rPr>
-                        <a:t>? impossible</a:t>
-                      </a:r>
-                      <a:endParaRPr lang="en-US" dirty="0">
-                        <a:solidFill>
-                          <a:srgbClr val="002060"/>
-                        </a:solidFill>
-                        <a:latin typeface="微软雅黑" panose="020B0503020204020204" pitchFamily="34" charset="-122"/>
-                        <a:ea typeface="微软雅黑" panose="020B0503020204020204" pitchFamily="34" charset="-122"/>
-                      </a:endParaRPr>
-                    </a:p>
-                  </a:txBody>
-                  <a:tcPr anchor="ctr"/>
-                </a:tc>
-                <a:tc>
-                  <a:txBody>
-                    <a:bodyPr/>
-                    <a:lstStyle/>
-                    <a:p>
-                      <a:r>
-                        <a:rPr lang="zh-CN" altLang="en-US" dirty="0">
-                          <a:solidFill>
-                            <a:srgbClr val="002060"/>
-                          </a:solidFill>
-                          <a:latin typeface="微软雅黑" panose="020B0503020204020204" pitchFamily="34" charset="-122"/>
-                          <a:ea typeface="微软雅黑" panose="020B0503020204020204" pitchFamily="34" charset="-122"/>
-                        </a:rPr>
-                        <a:t>前台、中台、后台技术</a:t>
-                      </a:r>
-                      <a:endParaRPr lang="en-US" dirty="0">
-                        <a:solidFill>
-                          <a:srgbClr val="002060"/>
-                        </a:solidFill>
-                        <a:latin typeface="微软雅黑" panose="020B0503020204020204" pitchFamily="34" charset="-122"/>
-                        <a:ea typeface="微软雅黑" panose="020B0503020204020204" pitchFamily="34" charset="-122"/>
-                      </a:endParaRPr>
-                    </a:p>
-                  </a:txBody>
-                  <a:tcPr anchor="ctr"/>
-                </a:tc>
-                <a:extLst>
-                  <a:ext uri="{0D108BD9-81ED-4DB2-BD59-A6C34878D82A}">
-                    <a16:rowId xmlns:a16="http://schemas.microsoft.com/office/drawing/2014/main" val="3815590529"/>
-                  </a:ext>
-                </a:extLst>
-              </a:tr>
-            </a:tbl>
-          </a:graphicData>
-        </a:graphic>
-      </p:graphicFrame>
-      <p:sp>
-        <p:nvSpPr>
-          <p:cNvPr id="4" name="矩形 3"/>
-          <p:cNvSpPr/>
-          <p:nvPr/>
-        </p:nvSpPr>
-        <p:spPr>
-          <a:xfrm>
-            <a:off x="4757105" y="1203785"/>
-            <a:ext cx="7434895" cy="830997"/>
-          </a:xfrm>
-          <a:prstGeom prst="rect">
-            <a:avLst/>
-          </a:prstGeom>
-        </p:spPr>
-        <p:txBody>
-          <a:bodyPr wrap="square">
-            <a:spAutoFit/>
-          </a:bodyPr>
-          <a:lstStyle/>
-          <a:p>
-            <a:r>
-              <a:rPr lang="en-US" altLang="zh-CN" dirty="0">
-                <a:solidFill>
-                  <a:srgbClr val="FFFF00"/>
-                </a:solidFill>
-              </a:rPr>
-              <a:t>It's irresponsible for educators to teach people a new tool without also teaching them when it's appropriate to use each of them</a:t>
-            </a:r>
-          </a:p>
-          <a:p>
-            <a:r>
-              <a:rPr lang="en-US" altLang="zh-CN" sz="1200" dirty="0">
-                <a:solidFill>
-                  <a:srgbClr val="FFFF00"/>
-                </a:solidFill>
-              </a:rPr>
-              <a:t>https://www.gamedev.net/blogs/entry/2265481-oop-is-dead-long-live-oop/</a:t>
-            </a:r>
-            <a:endParaRPr lang="zh-CN" altLang="en-US" sz="1200" dirty="0">
-              <a:solidFill>
-                <a:srgbClr val="FFFF00"/>
-              </a:solidFill>
-            </a:endParaRPr>
-          </a:p>
-        </p:txBody>
-      </p:sp>
-      <p:sp>
-        <p:nvSpPr>
-          <p:cNvPr id="5" name="矩形 4"/>
-          <p:cNvSpPr/>
-          <p:nvPr/>
-        </p:nvSpPr>
-        <p:spPr>
-          <a:xfrm>
-            <a:off x="2785273" y="6194540"/>
-            <a:ext cx="7434895" cy="369332"/>
-          </a:xfrm>
-          <a:prstGeom prst="rect">
-            <a:avLst/>
-          </a:prstGeom>
-        </p:spPr>
-        <p:txBody>
-          <a:bodyPr wrap="square">
-            <a:spAutoFit/>
-          </a:bodyPr>
-          <a:lstStyle/>
-          <a:p>
-            <a:pPr algn="ctr"/>
-            <a:r>
-              <a:rPr lang="zh-CN" altLang="en-US" dirty="0">
-                <a:solidFill>
-                  <a:srgbClr val="FFFF00"/>
-                </a:solidFill>
-                <a:latin typeface="微软雅黑" panose="020B0503020204020204" pitchFamily="34" charset="-122"/>
-                <a:ea typeface="微软雅黑" panose="020B0503020204020204" pitchFamily="34" charset="-122"/>
-              </a:rPr>
-              <a:t>不是神课</a:t>
-            </a:r>
-            <a:r>
-              <a:rPr lang="en-US" altLang="zh-CN" dirty="0">
-                <a:solidFill>
-                  <a:srgbClr val="FFFF00"/>
-                </a:solidFill>
-                <a:latin typeface="微软雅黑" panose="020B0503020204020204" pitchFamily="34" charset="-122"/>
-                <a:ea typeface="微软雅黑" panose="020B0503020204020204" pitchFamily="34" charset="-122"/>
-              </a:rPr>
-              <a:t>……</a:t>
-            </a:r>
-            <a:r>
-              <a:rPr lang="zh-CN" altLang="en-US" dirty="0">
-                <a:solidFill>
-                  <a:srgbClr val="FFFF00"/>
-                </a:solidFill>
-                <a:latin typeface="微软雅黑" panose="020B0503020204020204" pitchFamily="34" charset="-122"/>
-                <a:ea typeface="微软雅黑" panose="020B0503020204020204" pitchFamily="34" charset="-122"/>
-              </a:rPr>
-              <a:t>仅入门引路</a:t>
-            </a:r>
-            <a:r>
-              <a:rPr lang="en-US" altLang="zh-CN" dirty="0">
-                <a:solidFill>
-                  <a:srgbClr val="FFFF00"/>
-                </a:solidFill>
-                <a:latin typeface="微软雅黑" panose="020B0503020204020204" pitchFamily="34" charset="-122"/>
-                <a:ea typeface="微软雅黑" panose="020B0503020204020204" pitchFamily="34" charset="-122"/>
-              </a:rPr>
-              <a:t>……</a:t>
-            </a:r>
-            <a:r>
-              <a:rPr lang="zh-CN" altLang="en-US" dirty="0">
-                <a:solidFill>
-                  <a:srgbClr val="FFFF00"/>
-                </a:solidFill>
-                <a:latin typeface="微软雅黑" panose="020B0503020204020204" pitchFamily="34" charset="-122"/>
-                <a:ea typeface="微软雅黑" panose="020B0503020204020204" pitchFamily="34" charset="-122"/>
-              </a:rPr>
-              <a:t>修行靠</a:t>
-            </a:r>
-            <a:r>
-              <a:rPr lang="en-US" altLang="zh-CN" dirty="0">
-                <a:solidFill>
-                  <a:srgbClr val="FFFF00"/>
-                </a:solidFill>
-                <a:latin typeface="微软雅黑" panose="020B0503020204020204" pitchFamily="34" charset="-122"/>
-                <a:ea typeface="微软雅黑" panose="020B0503020204020204" pitchFamily="34" charset="-122"/>
-              </a:rPr>
-              <a:t>coding……</a:t>
-            </a:r>
-            <a:r>
-              <a:rPr lang="zh-CN" altLang="en-US" dirty="0">
-                <a:solidFill>
-                  <a:srgbClr val="FFFF00"/>
-                </a:solidFill>
-                <a:latin typeface="微软雅黑" panose="020B0503020204020204" pitchFamily="34" charset="-122"/>
-                <a:ea typeface="微软雅黑" panose="020B0503020204020204" pitchFamily="34" charset="-122"/>
-              </a:rPr>
-              <a:t>成大神靠</a:t>
-            </a:r>
-            <a:r>
-              <a:rPr lang="en-US" altLang="zh-CN" dirty="0">
-                <a:solidFill>
-                  <a:srgbClr val="FFFF00"/>
-                </a:solidFill>
-                <a:latin typeface="微软雅黑" panose="020B0503020204020204" pitchFamily="34" charset="-122"/>
-                <a:ea typeface="微软雅黑" panose="020B0503020204020204" pitchFamily="34" charset="-122"/>
-              </a:rPr>
-              <a:t>programming</a:t>
-            </a:r>
-          </a:p>
-        </p:txBody>
-      </p:sp>
-    </p:spTree>
-    <p:extLst>
-      <p:ext uri="{BB962C8B-B14F-4D97-AF65-F5344CB8AC3E}">
-        <p14:creationId xmlns:p14="http://schemas.microsoft.com/office/powerpoint/2010/main" val="3711157589"/>
-      </p:ext>
-    </p:extLst>
-  </p:cSld>
-  <p:clrMapOvr>
-    <a:masterClrMapping/>
-  </p:clrMapOvr>
-</p:sld>
-</file>
-
-<file path=ppt/slides/slide7.xml><?xml version="1.0" encoding="utf-8"?>
-<p:sld xmlns:a="http://schemas.openxmlformats.org/drawingml/2006/main" xmlns:r="http://schemas.openxmlformats.org/officeDocument/2006/relationships" xmlns:p="http://schemas.openxmlformats.org/presentationml/2006/main">
-  <p:cSld>
-    <p:spTree>
-      <p:nvGrpSpPr>
-        <p:cNvPr id="1" name=""/>
-        <p:cNvGrpSpPr/>
-        <p:nvPr/>
-      </p:nvGrpSpPr>
-      <p:grpSpPr>
-        <a:xfrm>
-          <a:off x="0" y="0"/>
-          <a:ext cx="0" cy="0"/>
-          <a:chOff x="0" y="0"/>
-          <a:chExt cx="0" cy="0"/>
-        </a:xfrm>
-      </p:grpSpPr>
-      <p:sp>
-        <p:nvSpPr>
           <p:cNvPr id="4" name="灯片编号占位符 5"/>
           <p:cNvSpPr>
             <a:spLocks noGrp="1"/>
@@ -22644,7 +20015,7 @@
             </a:pPr>
             <a:fld id="{B18F26D4-EC69-47C4-AAE8-2B8CBD911E17}" type="slidenum">
               <a:rPr lang="zh-CN" altLang="en-US"/>
-              <a:t>7</a:t>
+              <a:t>6</a:t>
             </a:fld>
             <a:endParaRPr lang="en-US" altLang="zh-CN"/>
           </a:p>
@@ -22696,7 +20067,7 @@
         </p:spPr>
         <p:txBody>
           <a:bodyPr>
-            <a:normAutofit fontScale="62500" lnSpcReduction="20000"/>
+            <a:normAutofit/>
           </a:bodyPr>
           <a:lstStyle/>
           <a:p>
@@ -22713,15 +20084,12 @@
                 <a:latin typeface="微软雅黑" panose="020B0503020204020204" pitchFamily="34" charset="-122"/>
                 <a:ea typeface="微软雅黑" panose="020B0503020204020204" pitchFamily="34" charset="-122"/>
               </a:rPr>
-              <a:t>编程技术：</a:t>
+              <a:t>新技术</a:t>
             </a:r>
-            <a:r>
-              <a:rPr lang="en-US" altLang="zh-CN" sz="4400" dirty="0">
-                <a:latin typeface="微软雅黑" panose="020B0503020204020204" pitchFamily="34" charset="-122"/>
-                <a:ea typeface="微软雅黑" panose="020B0503020204020204" pitchFamily="34" charset="-122"/>
-              </a:rPr>
-              <a:t>RAII, zero-copy, ……</a:t>
-            </a:r>
+            <a:endParaRPr lang="en-US" altLang="zh-CN" sz="4400" dirty="0">
+              <a:latin typeface="微软雅黑" panose="020B0503020204020204" pitchFamily="34" charset="-122"/>
+              <a:ea typeface="微软雅黑" panose="020B0503020204020204" pitchFamily="34" charset="-122"/>
+            </a:endParaRPr>
           </a:p>
           <a:p>
             <a:pPr eaLnBrk="1" hangingPunct="1"/>
@@ -22730,66 +20098,14 @@
                 <a:latin typeface="微软雅黑" panose="020B0503020204020204" pitchFamily="34" charset="-122"/>
                 <a:ea typeface="微软雅黑" panose="020B0503020204020204" pitchFamily="34" charset="-122"/>
               </a:rPr>
-              <a:t> Windows</a:t>
+              <a:t> </a:t>
             </a:r>
             <a:r>
               <a:rPr lang="zh-CN" altLang="en-US" sz="4400" dirty="0">
                 <a:latin typeface="微软雅黑" panose="020B0503020204020204" pitchFamily="34" charset="-122"/>
                 <a:ea typeface="微软雅黑" panose="020B0503020204020204" pitchFamily="34" charset="-122"/>
               </a:rPr>
-              <a:t>底层事件机制与</a:t>
-            </a:r>
-            <a:r>
-              <a:rPr lang="en-US" altLang="zh-CN" sz="4400" dirty="0">
-                <a:latin typeface="微软雅黑" panose="020B0503020204020204" pitchFamily="34" charset="-122"/>
-                <a:ea typeface="微软雅黑" panose="020B0503020204020204" pitchFamily="34" charset="-122"/>
-              </a:rPr>
-              <a:t>MIDL</a:t>
-            </a:r>
-            <a:endParaRPr lang="zh-CN" altLang="en-US" sz="4400" dirty="0">
-              <a:latin typeface="微软雅黑" panose="020B0503020204020204" pitchFamily="34" charset="-122"/>
-              <a:ea typeface="微软雅黑" panose="020B0503020204020204" pitchFamily="34" charset="-122"/>
-            </a:endParaRPr>
-          </a:p>
-          <a:p>
-            <a:pPr eaLnBrk="1" hangingPunct="1"/>
-            <a:r>
-              <a:rPr lang="zh-CN" altLang="en-US" sz="4400" dirty="0">
-                <a:latin typeface="微软雅黑" panose="020B0503020204020204" pitchFamily="34" charset="-122"/>
-                <a:ea typeface="微软雅黑" panose="020B0503020204020204" pitchFamily="34" charset="-122"/>
-              </a:rPr>
-              <a:t> 回调函数</a:t>
-            </a:r>
-          </a:p>
-          <a:p>
-            <a:pPr eaLnBrk="1" hangingPunct="1"/>
-            <a:r>
-              <a:rPr lang="zh-CN" altLang="en-US" sz="4400" dirty="0">
-                <a:latin typeface="微软雅黑" panose="020B0503020204020204" pitchFamily="34" charset="-122"/>
-                <a:ea typeface="微软雅黑" panose="020B0503020204020204" pitchFamily="34" charset="-122"/>
-              </a:rPr>
-              <a:t> 服务程序开发</a:t>
-            </a:r>
-            <a:endParaRPr lang="en-US" altLang="zh-CN" sz="4400" dirty="0">
-              <a:latin typeface="微软雅黑" panose="020B0503020204020204" pitchFamily="34" charset="-122"/>
-              <a:ea typeface="微软雅黑" panose="020B0503020204020204" pitchFamily="34" charset="-122"/>
-            </a:endParaRPr>
-          </a:p>
-          <a:p>
-            <a:pPr eaLnBrk="1" hangingPunct="1"/>
-            <a:r>
-              <a:rPr lang="en-US" altLang="zh-CN" sz="4400" dirty="0">
-                <a:latin typeface="微软雅黑" panose="020B0503020204020204" pitchFamily="34" charset="-122"/>
-                <a:ea typeface="微软雅黑" panose="020B0503020204020204" pitchFamily="34" charset="-122"/>
-              </a:rPr>
-              <a:t> Windows</a:t>
-            </a:r>
-            <a:r>
-              <a:rPr lang="zh-CN" altLang="en-US" sz="4400" dirty="0">
-                <a:latin typeface="微软雅黑" panose="020B0503020204020204" pitchFamily="34" charset="-122"/>
-                <a:ea typeface="微软雅黑" panose="020B0503020204020204" pitchFamily="34" charset="-122"/>
-              </a:rPr>
-              <a:t>应用程序打包与部署</a:t>
+              <a:t>解题技巧</a:t>
             </a:r>
           </a:p>
         </p:txBody>
@@ -22934,6 +20250,83 @@
 </p:sld>
 </file>
 
+<file path=ppt/slides/slide7.xml><?xml version="1.0" encoding="utf-8"?>
+<p:sld xmlns:a="http://schemas.openxmlformats.org/drawingml/2006/main" xmlns:r="http://schemas.openxmlformats.org/officeDocument/2006/relationships" xmlns:p="http://schemas.openxmlformats.org/presentationml/2006/main">
+  <p:cSld>
+    <p:spTree>
+      <p:nvGrpSpPr>
+        <p:cNvPr id="1" name=""/>
+        <p:cNvGrpSpPr/>
+        <p:nvPr/>
+      </p:nvGrpSpPr>
+      <p:grpSpPr>
+        <a:xfrm>
+          <a:off x="0" y="0"/>
+          <a:ext cx="0" cy="0"/>
+          <a:chOff x="0" y="0"/>
+          <a:chExt cx="0" cy="0"/>
+        </a:xfrm>
+      </p:grpSpPr>
+      <p:sp>
+        <p:nvSpPr>
+          <p:cNvPr id="2" name="Title 1"/>
+          <p:cNvSpPr>
+            <a:spLocks noGrp="1"/>
+          </p:cNvSpPr>
+          <p:nvPr>
+            <p:ph type="title"/>
+          </p:nvPr>
+        </p:nvSpPr>
+        <p:spPr/>
+        <p:txBody>
+          <a:bodyPr/>
+          <a:lstStyle/>
+          <a:p>
+            <a:r>
+              <a:rPr lang="en-US" dirty="0"/>
+              <a:t>Required Materials</a:t>
+            </a:r>
+          </a:p>
+        </p:txBody>
+      </p:sp>
+      <p:graphicFrame>
+        <p:nvGraphicFramePr>
+          <p:cNvPr id="4" name="Content Placeholder 3"/>
+          <p:cNvGraphicFramePr>
+            <a:graphicFrameLocks noGrp="1"/>
+          </p:cNvGraphicFramePr>
+          <p:nvPr>
+            <p:ph idx="1"/>
+            <p:extLst>
+              <p:ext uri="{D42A27DB-BD31-4B8C-83A1-F6EECF244321}">
+                <p14:modId xmlns:p14="http://schemas.microsoft.com/office/powerpoint/2010/main" val="3068890352"/>
+              </p:ext>
+            </p:extLst>
+          </p:nvPr>
+        </p:nvGraphicFramePr>
+        <p:xfrm>
+          <a:off x="1103313" y="2052638"/>
+          <a:ext cx="8947150" cy="4195762"/>
+        </p:xfrm>
+        <a:graphic>
+          <a:graphicData uri="http://schemas.openxmlformats.org/drawingml/2006/diagram">
+            <dgm:relIds xmlns:dgm="http://schemas.openxmlformats.org/drawingml/2006/diagram" xmlns:r="http://schemas.openxmlformats.org/officeDocument/2006/relationships" r:dm="rId2" r:lo="rId3" r:qs="rId4" r:cs="rId5"/>
+          </a:graphicData>
+        </a:graphic>
+      </p:graphicFrame>
+    </p:spTree>
+    <p:extLst>
+      <p:ext uri="{BB962C8B-B14F-4D97-AF65-F5344CB8AC3E}">
+        <p14:creationId xmlns:p14="http://schemas.microsoft.com/office/powerpoint/2010/main" val="2164597245"/>
+      </p:ext>
+    </p:extLst>
+  </p:cSld>
+  <p:clrMapOvr>
+    <a:masterClrMapping/>
+  </p:clrMapOvr>
+</p:sld>
+</file>
+
 <file path=ppt/slides/slide8.xml><?xml version="1.0" encoding="utf-8"?>
 <p:sld xmlns:a="http://schemas.openxmlformats.org/drawingml/2006/main" xmlns:r="http://schemas.openxmlformats.org/officeDocument/2006/relationships" xmlns:p="http://schemas.openxmlformats.org/presentationml/2006/main">
   <p:cSld>
@@ -22968,40 +20361,104 @@
           <a:p>
             <a:r>
               <a:rPr lang="en-US" dirty="0"/>
-              <a:t>Required Materials</a:t>
+              <a:t>Instructional Methods</a:t>
             </a:r>
           </a:p>
         </p:txBody>
       </p:sp>
-      <p:graphicFrame>
-        <p:nvGraphicFramePr>
-          <p:cNvPr id="4" name="Content Placeholder 3"/>
-          <p:cNvGraphicFramePr>
-            <a:graphicFrameLocks noGrp="1"/>
-          </p:cNvGraphicFramePr>
+      <p:sp>
+        <p:nvSpPr>
+          <p:cNvPr id="3" name="Content Placeholder 2"/>
+          <p:cNvSpPr>
+            <a:spLocks noGrp="1"/>
+          </p:cNvSpPr>
           <p:nvPr>
             <p:ph idx="1"/>
-            <p:extLst>
-              <p:ext uri="{D42A27DB-BD31-4B8C-83A1-F6EECF244321}">
-                <p14:modId xmlns:p14="http://schemas.microsoft.com/office/powerpoint/2010/main" val="3237395877"/>
-              </p:ext>
-            </p:extLst>
           </p:nvPr>
-        </p:nvGraphicFramePr>
-        <p:xfrm>
-          <a:off x="1103313" y="2052638"/>
-          <a:ext cx="8947150" cy="4195762"/>
-        </p:xfrm>
-        <a:graphic>
-          <a:graphicData uri="http://schemas.openxmlformats.org/drawingml/2006/diagram">
-            <dgm:relIds xmlns:dgm="http://schemas.openxmlformats.org/drawingml/2006/diagram" xmlns:r="http://schemas.openxmlformats.org/officeDocument/2006/relationships" r:dm="rId2" r:lo="rId3" r:qs="rId4" r:cs="rId5"/>
-          </a:graphicData>
-        </a:graphic>
-      </p:graphicFrame>
+        </p:nvSpPr>
+        <p:spPr/>
+        <p:txBody>
+          <a:bodyPr/>
+          <a:lstStyle/>
+          <a:p>
+            <a:pPr marL="0" indent="0">
+              <a:buNone/>
+            </a:pPr>
+            <a:r>
+              <a:rPr lang="en-US" altLang="zh-CN" dirty="0"/>
+              <a:t>Coding, coding, n coding, …</a:t>
+            </a:r>
+            <a:endParaRPr lang="en-US" dirty="0"/>
+          </a:p>
+          <a:p>
+            <a:pPr lvl="1"/>
+            <a:r>
+              <a:rPr lang="en-US" dirty="0"/>
+              <a:t>Lectures</a:t>
+            </a:r>
+          </a:p>
+          <a:p>
+            <a:pPr lvl="1"/>
+            <a:r>
+              <a:rPr lang="en-US" altLang="zh-CN" dirty="0"/>
+              <a:t>Online interaction: </a:t>
+            </a:r>
+            <a:r>
+              <a:rPr lang="en-US" altLang="zh-CN" dirty="0" err="1"/>
+              <a:t>github</a:t>
+            </a:r>
+            <a:r>
+              <a:rPr lang="en-US" altLang="zh-CN" dirty="0"/>
+              <a:t> n </a:t>
+            </a:r>
+            <a:r>
+              <a:rPr lang="en-US" altLang="zh-CN" dirty="0" err="1"/>
+              <a:t>gitee</a:t>
+            </a:r>
+            <a:endParaRPr lang="en-US" dirty="0"/>
+          </a:p>
+          <a:p>
+            <a:pPr lvl="1"/>
+            <a:r>
+              <a:rPr lang="en-US" dirty="0"/>
+              <a:t>Demonstrations</a:t>
+            </a:r>
+          </a:p>
+          <a:p>
+            <a:pPr lvl="1"/>
+            <a:r>
+              <a:rPr lang="en-US" dirty="0"/>
+              <a:t>Class discussion/Virtual discussions</a:t>
+            </a:r>
+          </a:p>
+          <a:p>
+            <a:pPr lvl="1"/>
+            <a:r>
+              <a:rPr lang="en-US" dirty="0"/>
+              <a:t>Individual/group projects, maybe employ </a:t>
+            </a:r>
+            <a:r>
+              <a:rPr lang="en-US" dirty="0" err="1"/>
+              <a:t>github</a:t>
+            </a:r>
+            <a:r>
+              <a:rPr lang="en-US" dirty="0"/>
+              <a:t> classroom</a:t>
+            </a:r>
+          </a:p>
+          <a:p>
+            <a:pPr lvl="1"/>
+            <a:r>
+              <a:rPr lang="en-US" dirty="0"/>
+              <a:t>Labs</a:t>
+            </a:r>
+          </a:p>
+        </p:txBody>
+      </p:sp>
     </p:spTree>
     <p:extLst>
       <p:ext uri="{BB962C8B-B14F-4D97-AF65-F5344CB8AC3E}">
-        <p14:creationId xmlns:p14="http://schemas.microsoft.com/office/powerpoint/2010/main" val="2164597245"/>
+        <p14:creationId xmlns:p14="http://schemas.microsoft.com/office/powerpoint/2010/main" val="423809124"/>
       </p:ext>
     </p:extLst>
   </p:cSld>
@@ -23045,7 +20502,7 @@
           <a:p>
             <a:r>
               <a:rPr lang="en-US" dirty="0"/>
-              <a:t>Instructional Methods</a:t>
+              <a:t>Assessment Criteria</a:t>
             </a:r>
           </a:p>
         </p:txBody>
@@ -23057,7 +20514,7 @@
             <a:spLocks noGrp="1"/>
           </p:cNvSpPr>
           <p:nvPr>
-            <p:ph idx="1"/>
+            <p:ph sz="half" idx="1"/>
           </p:nvPr>
         </p:nvSpPr>
         <p:spPr/>
@@ -23065,84 +20522,64 @@
           <a:bodyPr/>
           <a:lstStyle/>
           <a:p>
-            <a:pPr marL="0" indent="0">
-              <a:buNone/>
-            </a:pPr>
+            <a:r>
+              <a:rPr lang="en-US" dirty="0"/>
+              <a:t>Attendance 10%</a:t>
+            </a:r>
+          </a:p>
+          <a:p>
+            <a:r>
+              <a:rPr lang="en-US" dirty="0"/>
+              <a:t>Projects coding 10%</a:t>
+            </a:r>
+          </a:p>
+          <a:p>
             <a:r>
               <a:rPr lang="en-US" altLang="zh-CN" dirty="0"/>
-              <a:t>Coding, coding, n coding, …</a:t>
+              <a:t>Discussion 10%</a:t>
             </a:r>
             <a:endParaRPr lang="en-US" dirty="0"/>
           </a:p>
           <a:p>
-            <a:pPr lvl="1"/>
             <a:r>
               <a:rPr lang="en-US" dirty="0"/>
-              <a:t>Lectures</a:t>
+              <a:t>Final Exam 70%</a:t>
             </a:r>
           </a:p>
           <a:p>
-            <a:pPr lvl="1"/>
-            <a:r>
-              <a:rPr lang="en-US" altLang="zh-CN" dirty="0"/>
-              <a:t>Online interaction: </a:t>
-            </a:r>
-            <a:r>
-              <a:rPr lang="en-US" altLang="zh-CN" dirty="0" err="1"/>
-              <a:t>github</a:t>
-            </a:r>
-            <a:r>
-              <a:rPr lang="en-US" altLang="zh-CN" dirty="0"/>
-              <a:t> n </a:t>
-            </a:r>
-            <a:r>
-              <a:rPr lang="en-US" altLang="zh-CN" dirty="0" err="1"/>
-              <a:t>gitee</a:t>
-            </a:r>
             <a:endParaRPr lang="en-US" dirty="0"/>
-          </a:p>
-          <a:p>
-            <a:pPr lvl="1"/>
-            <a:r>
-              <a:rPr lang="en-US" dirty="0"/>
-              <a:t>Demonstrations</a:t>
-            </a:r>
-          </a:p>
-          <a:p>
-            <a:pPr lvl="1"/>
-            <a:r>
-              <a:rPr lang="en-US" dirty="0"/>
-              <a:t>Class discussion/Virtual discussions</a:t>
-            </a:r>
-          </a:p>
-          <a:p>
-            <a:pPr lvl="1"/>
-            <a:r>
-              <a:rPr lang="en-US" dirty="0"/>
-              <a:t>Individual/group projects, maybe employ </a:t>
-            </a:r>
-            <a:r>
-              <a:rPr lang="en-US" dirty="0" err="1"/>
-              <a:t>github</a:t>
-            </a:r>
-            <a:r>
-              <a:rPr lang="en-US" dirty="0"/>
-              <a:t> classroom</a:t>
-            </a:r>
-          </a:p>
-          <a:p>
-            <a:pPr lvl="1"/>
-            <a:r>
-              <a:rPr lang="en-US" dirty="0"/>
-              <a:t>Labs</a:t>
-            </a:r>
           </a:p>
         </p:txBody>
       </p:sp>
+      <p:graphicFrame>
+        <p:nvGraphicFramePr>
+          <p:cNvPr id="9" name="Content Placeholder 8"/>
+          <p:cNvGraphicFramePr>
+            <a:graphicFrameLocks noGrp="1"/>
+          </p:cNvGraphicFramePr>
+          <p:nvPr>
+            <p:ph sz="half" idx="2"/>
+            <p:extLst>
+              <p:ext uri="{D42A27DB-BD31-4B8C-83A1-F6EECF244321}">
+                <p14:modId xmlns:p14="http://schemas.microsoft.com/office/powerpoint/2010/main" val="1177191106"/>
+              </p:ext>
+            </p:extLst>
+          </p:nvPr>
+        </p:nvGraphicFramePr>
+        <p:xfrm>
+          <a:off x="5654675" y="2055813"/>
+          <a:ext cx="4395788" cy="4200525"/>
+        </p:xfrm>
+        <a:graphic>
+          <a:graphicData uri="http://schemas.openxmlformats.org/drawingml/2006/chart">
+            <c:chart xmlns:c="http://schemas.openxmlformats.org/drawingml/2006/chart" xmlns:r="http://schemas.openxmlformats.org/officeDocument/2006/relationships" r:id="rId2"/>
+          </a:graphicData>
+        </a:graphic>
+      </p:graphicFrame>
     </p:spTree>
     <p:extLst>
       <p:ext uri="{BB962C8B-B14F-4D97-AF65-F5344CB8AC3E}">
-        <p14:creationId xmlns:p14="http://schemas.microsoft.com/office/powerpoint/2010/main" val="423809124"/>
+        <p14:creationId xmlns:p14="http://schemas.microsoft.com/office/powerpoint/2010/main" val="11674896"/>
       </p:ext>
     </p:extLst>
   </p:cSld>
@@ -23938,21 +21375,6 @@
 </file>
 
 <file path=customXml/item1.xml><?xml version="1.0" encoding="utf-8"?>
-<p:properties xmlns:p="http://schemas.microsoft.com/office/2006/metadata/properties" xmlns:xsi="http://www.w3.org/2001/XMLSchema-instance" xmlns:pc="http://schemas.microsoft.com/office/infopath/2007/PartnerControls">
-  <documentManagement/>
-</p:properties>
-</file>
-
-<file path=customXml/item2.xml><?xml version="1.0" encoding="utf-8"?>
-<?mso-contentType ?>
-<FormTemplates xmlns="http://schemas.microsoft.com/sharepoint/v3/contenttype/forms">
-  <Display>DocumentLibraryForm</Display>
-  <Edit>DocumentLibraryForm</Edit>
-  <New>DocumentLibraryForm</New>
-</FormTemplates>
-</file>
-
-<file path=customXml/item3.xml><?xml version="1.0" encoding="utf-8"?>
 <ct:contentTypeSchema xmlns:ct="http://schemas.microsoft.com/office/2006/metadata/contentType" xmlns:ma="http://schemas.microsoft.com/office/2006/metadata/properties/metaAttributes" ct:_="" ma:_="" ma:contentTypeName="Document" ma:contentTypeID="0x0101007C1D5F340F01F94FA2FD29A5E6DC872E" ma:contentTypeVersion="0" ma:contentTypeDescription="Create a new document." ma:contentTypeScope="" ma:versionID="f583bd66513a361a730282b6a794e352">
   <xsd:schema xmlns:xsd="http://www.w3.org/2001/XMLSchema" xmlns:xs="http://www.w3.org/2001/XMLSchema" xmlns:p="http://schemas.microsoft.com/office/2006/metadata/properties" targetNamespace="http://schemas.microsoft.com/office/2006/metadata/properties" ma:root="true" ma:fieldsID="6841151cf538834e171094e4faaf2d73">
     <xsd:element name="properties">
@@ -24066,10 +21488,32 @@
 </ct:contentTypeSchema>
 </file>
 
+<file path=customXml/item2.xml><?xml version="1.0" encoding="utf-8"?>
+<?mso-contentType ?>
+<FormTemplates xmlns="http://schemas.microsoft.com/sharepoint/v3/contenttype/forms">
+  <Display>DocumentLibraryForm</Display>
+  <Edit>DocumentLibraryForm</Edit>
+  <New>DocumentLibraryForm</New>
+</FormTemplates>
+</file>
+
+<file path=customXml/item3.xml><?xml version="1.0" encoding="utf-8"?>
+<p:properties xmlns:p="http://schemas.microsoft.com/office/2006/metadata/properties" xmlns:xsi="http://www.w3.org/2001/XMLSchema-instance" xmlns:pc="http://schemas.microsoft.com/office/infopath/2007/PartnerControls">
+  <documentManagement/>
+</p:properties>
+</file>
+
 <file path=customXml/itemProps1.xml><?xml version="1.0" encoding="utf-8"?>
-<ds:datastoreItem xmlns:ds="http://schemas.openxmlformats.org/officeDocument/2006/customXml" ds:itemID="{CA7F0F3B-1D69-4071-934C-7373F1C638FD}">
+<ds:datastoreItem xmlns:ds="http://schemas.openxmlformats.org/officeDocument/2006/customXml" ds:itemID="{D1FC5151-73AF-4992-B300-816A43C7C293}">
   <ds:schemaRefs>
+    <ds:schemaRef ds:uri="http://schemas.microsoft.com/office/2006/metadata/contentType"/>
+    <ds:schemaRef ds:uri="http://schemas.microsoft.com/office/2006/metadata/properties/metaAttributes"/>
+    <ds:schemaRef ds:uri="http://www.w3.org/2001/XMLSchema"/>
     <ds:schemaRef ds:uri="http://schemas.microsoft.com/office/2006/metadata/properties"/>
+    <ds:schemaRef ds:uri="http://schemas.openxmlformats.org/package/2006/metadata/core-properties"/>
+    <ds:schemaRef ds:uri="http://purl.org/dc/elements/1.1/"/>
+    <ds:schemaRef ds:uri="http://purl.org/dc/terms/"/>
+    <ds:schemaRef ds:uri="http://schemas.microsoft.com/internal/obd"/>
     <ds:schemaRef ds:uri="http://schemas.microsoft.com/office/infopath/2007/PartnerControls"/>
   </ds:schemaRefs>
 </ds:datastoreItem>
@@ -24084,16 +21528,9 @@
 </file>
 
 <file path=customXml/itemProps3.xml><?xml version="1.0" encoding="utf-8"?>
-<ds:datastoreItem xmlns:ds="http://schemas.openxmlformats.org/officeDocument/2006/customXml" ds:itemID="{D1FC5151-73AF-4992-B300-816A43C7C293}">
+<ds:datastoreItem xmlns:ds="http://schemas.openxmlformats.org/officeDocument/2006/customXml" ds:itemID="{CA7F0F3B-1D69-4071-934C-7373F1C638FD}">
   <ds:schemaRefs>
-    <ds:schemaRef ds:uri="http://schemas.microsoft.com/office/2006/metadata/contentType"/>
-    <ds:schemaRef ds:uri="http://schemas.microsoft.com/office/2006/metadata/properties/metaAttributes"/>
-    <ds:schemaRef ds:uri="http://www.w3.org/2001/XMLSchema"/>
     <ds:schemaRef ds:uri="http://schemas.microsoft.com/office/2006/metadata/properties"/>
-    <ds:schemaRef ds:uri="http://schemas.openxmlformats.org/package/2006/metadata/core-properties"/>
-    <ds:schemaRef ds:uri="http://purl.org/dc/elements/1.1/"/>
-    <ds:schemaRef ds:uri="http://purl.org/dc/terms/"/>
-    <ds:schemaRef ds:uri="http://schemas.microsoft.com/internal/obd"/>
     <ds:schemaRef ds:uri="http://schemas.microsoft.com/office/infopath/2007/PartnerControls"/>
   </ds:schemaRefs>
 </ds:datastoreItem>

--- a/slides/instruction/introduction.pptx
+++ b/slides/instruction/introduction.pptx
@@ -18898,7 +18898,7 @@
           <a:graphicData uri="http://schemas.openxmlformats.org/presentationml/2006/ole">
             <mc:AlternateContent xmlns:mc="http://schemas.openxmlformats.org/markup-compatibility/2006">
               <mc:Choice xmlns:v="urn:schemas-microsoft-com:vml" Requires="v">
-                <p:oleObj spid="_x0000_s1104" r:id="rId3" imgW="3790950" imgH="2914650" progId="">
+                <p:oleObj spid="_x0000_s1106" r:id="rId3" imgW="3790950" imgH="2914650" progId="">
                   <p:embed/>
                 </p:oleObj>
               </mc:Choice>
@@ -19329,6 +19329,17 @@
             <a:r>
               <a:rPr lang="en-US" dirty="0"/>
               <a:t>Prerequisites:</a:t>
+            </a:r>
+          </a:p>
+          <a:p>
+            <a:pPr lvl="1">
+              <a:buClr>
+                <a:srgbClr val="002060"/>
+              </a:buClr>
+            </a:pPr>
+            <a:r>
+              <a:rPr lang="en-US" dirty="0"/>
+              <a:t>Principles of Computer Systems</a:t>
             </a:r>
           </a:p>
           <a:p>
@@ -21375,6 +21386,21 @@
 </file>
 
 <file path=customXml/item1.xml><?xml version="1.0" encoding="utf-8"?>
+<p:properties xmlns:p="http://schemas.microsoft.com/office/2006/metadata/properties" xmlns:xsi="http://www.w3.org/2001/XMLSchema-instance" xmlns:pc="http://schemas.microsoft.com/office/infopath/2007/PartnerControls">
+  <documentManagement/>
+</p:properties>
+</file>
+
+<file path=customXml/item2.xml><?xml version="1.0" encoding="utf-8"?>
+<?mso-contentType ?>
+<FormTemplates xmlns="http://schemas.microsoft.com/sharepoint/v3/contenttype/forms">
+  <Display>DocumentLibraryForm</Display>
+  <Edit>DocumentLibraryForm</Edit>
+  <New>DocumentLibraryForm</New>
+</FormTemplates>
+</file>
+
+<file path=customXml/item3.xml><?xml version="1.0" encoding="utf-8"?>
 <ct:contentTypeSchema xmlns:ct="http://schemas.microsoft.com/office/2006/metadata/contentType" xmlns:ma="http://schemas.microsoft.com/office/2006/metadata/properties/metaAttributes" ct:_="" ma:_="" ma:contentTypeName="Document" ma:contentTypeID="0x0101007C1D5F340F01F94FA2FD29A5E6DC872E" ma:contentTypeVersion="0" ma:contentTypeDescription="Create a new document." ma:contentTypeScope="" ma:versionID="f583bd66513a361a730282b6a794e352">
   <xsd:schema xmlns:xsd="http://www.w3.org/2001/XMLSchema" xmlns:xs="http://www.w3.org/2001/XMLSchema" xmlns:p="http://schemas.microsoft.com/office/2006/metadata/properties" targetNamespace="http://schemas.microsoft.com/office/2006/metadata/properties" ma:root="true" ma:fieldsID="6841151cf538834e171094e4faaf2d73">
     <xsd:element name="properties">
@@ -21488,32 +21514,10 @@
 </ct:contentTypeSchema>
 </file>
 
-<file path=customXml/item2.xml><?xml version="1.0" encoding="utf-8"?>
-<?mso-contentType ?>
-<FormTemplates xmlns="http://schemas.microsoft.com/sharepoint/v3/contenttype/forms">
-  <Display>DocumentLibraryForm</Display>
-  <Edit>DocumentLibraryForm</Edit>
-  <New>DocumentLibraryForm</New>
-</FormTemplates>
-</file>
-
-<file path=customXml/item3.xml><?xml version="1.0" encoding="utf-8"?>
-<p:properties xmlns:p="http://schemas.microsoft.com/office/2006/metadata/properties" xmlns:xsi="http://www.w3.org/2001/XMLSchema-instance" xmlns:pc="http://schemas.microsoft.com/office/infopath/2007/PartnerControls">
-  <documentManagement/>
-</p:properties>
-</file>
-
 <file path=customXml/itemProps1.xml><?xml version="1.0" encoding="utf-8"?>
-<ds:datastoreItem xmlns:ds="http://schemas.openxmlformats.org/officeDocument/2006/customXml" ds:itemID="{D1FC5151-73AF-4992-B300-816A43C7C293}">
+<ds:datastoreItem xmlns:ds="http://schemas.openxmlformats.org/officeDocument/2006/customXml" ds:itemID="{CA7F0F3B-1D69-4071-934C-7373F1C638FD}">
   <ds:schemaRefs>
-    <ds:schemaRef ds:uri="http://schemas.microsoft.com/office/2006/metadata/contentType"/>
-    <ds:schemaRef ds:uri="http://schemas.microsoft.com/office/2006/metadata/properties/metaAttributes"/>
-    <ds:schemaRef ds:uri="http://www.w3.org/2001/XMLSchema"/>
     <ds:schemaRef ds:uri="http://schemas.microsoft.com/office/2006/metadata/properties"/>
-    <ds:schemaRef ds:uri="http://schemas.openxmlformats.org/package/2006/metadata/core-properties"/>
-    <ds:schemaRef ds:uri="http://purl.org/dc/elements/1.1/"/>
-    <ds:schemaRef ds:uri="http://purl.org/dc/terms/"/>
-    <ds:schemaRef ds:uri="http://schemas.microsoft.com/internal/obd"/>
     <ds:schemaRef ds:uri="http://schemas.microsoft.com/office/infopath/2007/PartnerControls"/>
   </ds:schemaRefs>
 </ds:datastoreItem>
@@ -21528,9 +21532,16 @@
 </file>
 
 <file path=customXml/itemProps3.xml><?xml version="1.0" encoding="utf-8"?>
-<ds:datastoreItem xmlns:ds="http://schemas.openxmlformats.org/officeDocument/2006/customXml" ds:itemID="{CA7F0F3B-1D69-4071-934C-7373F1C638FD}">
+<ds:datastoreItem xmlns:ds="http://schemas.openxmlformats.org/officeDocument/2006/customXml" ds:itemID="{D1FC5151-73AF-4992-B300-816A43C7C293}">
   <ds:schemaRefs>
+    <ds:schemaRef ds:uri="http://schemas.microsoft.com/office/2006/metadata/contentType"/>
+    <ds:schemaRef ds:uri="http://schemas.microsoft.com/office/2006/metadata/properties/metaAttributes"/>
+    <ds:schemaRef ds:uri="http://www.w3.org/2001/XMLSchema"/>
     <ds:schemaRef ds:uri="http://schemas.microsoft.com/office/2006/metadata/properties"/>
+    <ds:schemaRef ds:uri="http://schemas.openxmlformats.org/package/2006/metadata/core-properties"/>
+    <ds:schemaRef ds:uri="http://purl.org/dc/elements/1.1/"/>
+    <ds:schemaRef ds:uri="http://purl.org/dc/terms/"/>
+    <ds:schemaRef ds:uri="http://schemas.microsoft.com/internal/obd"/>
     <ds:schemaRef ds:uri="http://schemas.microsoft.com/office/infopath/2007/PartnerControls"/>
   </ds:schemaRefs>
 </ds:datastoreItem>
